--- a/ppt/C110152338_138.pptx
+++ b/ppt/C110152338_138.pptx
@@ -203,7 +203,7 @@
           <a:p>
             <a:fld id="{48D70602-E37A-4D76-A67C-FE5E2D2D5D6D}" type="datetimeFigureOut">
               <a:rPr lang="zh-TW" altLang="en-US" smtClean="0"/>
-              <a:t>2022/5/28</a:t>
+              <a:t>2022/5/29</a:t>
             </a:fld>
             <a:endParaRPr lang="zh-TW" altLang="en-US"/>
           </a:p>
@@ -1121,7 +1121,7 @@
           <a:p>
             <a:fld id="{76D4B520-46FB-400C-9134-4615F303C9CE}" type="datetimeFigureOut">
               <a:rPr lang="zh-TW" altLang="en-US" smtClean="0"/>
-              <a:t>2022/5/28</a:t>
+              <a:t>2022/5/29</a:t>
             </a:fld>
             <a:endParaRPr lang="zh-TW" altLang="en-US"/>
           </a:p>
@@ -1319,7 +1319,7 @@
           <a:p>
             <a:fld id="{76D4B520-46FB-400C-9134-4615F303C9CE}" type="datetimeFigureOut">
               <a:rPr lang="zh-TW" altLang="en-US" smtClean="0"/>
-              <a:t>2022/5/28</a:t>
+              <a:t>2022/5/29</a:t>
             </a:fld>
             <a:endParaRPr lang="zh-TW" altLang="en-US"/>
           </a:p>
@@ -1527,7 +1527,7 @@
           <a:p>
             <a:fld id="{76D4B520-46FB-400C-9134-4615F303C9CE}" type="datetimeFigureOut">
               <a:rPr lang="zh-TW" altLang="en-US" smtClean="0"/>
-              <a:t>2022/5/28</a:t>
+              <a:t>2022/5/29</a:t>
             </a:fld>
             <a:endParaRPr lang="zh-TW" altLang="en-US"/>
           </a:p>
@@ -1725,7 +1725,7 @@
           <a:p>
             <a:fld id="{76D4B520-46FB-400C-9134-4615F303C9CE}" type="datetimeFigureOut">
               <a:rPr lang="zh-TW" altLang="en-US" smtClean="0"/>
-              <a:t>2022/5/28</a:t>
+              <a:t>2022/5/29</a:t>
             </a:fld>
             <a:endParaRPr lang="zh-TW" altLang="en-US"/>
           </a:p>
@@ -2000,7 +2000,7 @@
           <a:p>
             <a:fld id="{76D4B520-46FB-400C-9134-4615F303C9CE}" type="datetimeFigureOut">
               <a:rPr lang="zh-TW" altLang="en-US" smtClean="0"/>
-              <a:t>2022/5/28</a:t>
+              <a:t>2022/5/29</a:t>
             </a:fld>
             <a:endParaRPr lang="zh-TW" altLang="en-US"/>
           </a:p>
@@ -2265,7 +2265,7 @@
           <a:p>
             <a:fld id="{76D4B520-46FB-400C-9134-4615F303C9CE}" type="datetimeFigureOut">
               <a:rPr lang="zh-TW" altLang="en-US" smtClean="0"/>
-              <a:t>2022/5/28</a:t>
+              <a:t>2022/5/29</a:t>
             </a:fld>
             <a:endParaRPr lang="zh-TW" altLang="en-US"/>
           </a:p>
@@ -2677,7 +2677,7 @@
           <a:p>
             <a:fld id="{76D4B520-46FB-400C-9134-4615F303C9CE}" type="datetimeFigureOut">
               <a:rPr lang="zh-TW" altLang="en-US" smtClean="0"/>
-              <a:t>2022/5/28</a:t>
+              <a:t>2022/5/29</a:t>
             </a:fld>
             <a:endParaRPr lang="zh-TW" altLang="en-US"/>
           </a:p>
@@ -2818,7 +2818,7 @@
           <a:p>
             <a:fld id="{76D4B520-46FB-400C-9134-4615F303C9CE}" type="datetimeFigureOut">
               <a:rPr lang="zh-TW" altLang="en-US" smtClean="0"/>
-              <a:t>2022/5/28</a:t>
+              <a:t>2022/5/29</a:t>
             </a:fld>
             <a:endParaRPr lang="zh-TW" altLang="en-US"/>
           </a:p>
@@ -2931,7 +2931,7 @@
           <a:p>
             <a:fld id="{76D4B520-46FB-400C-9134-4615F303C9CE}" type="datetimeFigureOut">
               <a:rPr lang="zh-TW" altLang="en-US" smtClean="0"/>
-              <a:t>2022/5/28</a:t>
+              <a:t>2022/5/29</a:t>
             </a:fld>
             <a:endParaRPr lang="zh-TW" altLang="en-US"/>
           </a:p>
@@ -3242,7 +3242,7 @@
           <a:p>
             <a:fld id="{76D4B520-46FB-400C-9134-4615F303C9CE}" type="datetimeFigureOut">
               <a:rPr lang="zh-TW" altLang="en-US" smtClean="0"/>
-              <a:t>2022/5/28</a:t>
+              <a:t>2022/5/29</a:t>
             </a:fld>
             <a:endParaRPr lang="zh-TW" altLang="en-US"/>
           </a:p>
@@ -3530,7 +3530,7 @@
           <a:p>
             <a:fld id="{76D4B520-46FB-400C-9134-4615F303C9CE}" type="datetimeFigureOut">
               <a:rPr lang="zh-TW" altLang="en-US" smtClean="0"/>
-              <a:t>2022/5/28</a:t>
+              <a:t>2022/5/29</a:t>
             </a:fld>
             <a:endParaRPr lang="zh-TW" altLang="en-US"/>
           </a:p>
@@ -3771,7 +3771,7 @@
           <a:p>
             <a:fld id="{76D4B520-46FB-400C-9134-4615F303C9CE}" type="datetimeFigureOut">
               <a:rPr lang="zh-TW" altLang="en-US" smtClean="0"/>
-              <a:t>2022/5/28</a:t>
+              <a:t>2022/5/29</a:t>
             </a:fld>
             <a:endParaRPr lang="zh-TW" altLang="en-US"/>
           </a:p>
@@ -5733,8 +5733,8 @@
         </p:nvSpPr>
         <p:spPr>
           <a:xfrm>
-            <a:off x="579124" y="1335686"/>
-            <a:ext cx="11115037" cy="3385542"/>
+            <a:off x="589417" y="1264879"/>
+            <a:ext cx="11249707" cy="2554545"/>
           </a:xfrm>
           <a:prstGeom prst="rect">
             <a:avLst/>
@@ -5855,22 +5855,6 @@
               </a:effectLst>
               <a:latin typeface="微軟正黑體" panose="020B0604030504040204" pitchFamily="34" charset="-120"/>
               <a:ea typeface="微軟正黑體" panose="020B0604030504040204" pitchFamily="34" charset="-120"/>
-            </a:endParaRPr>
-          </a:p>
-          <a:p>
-            <a:pPr algn="ctr"/>
-            <a:endParaRPr lang="zh-TW" altLang="en-US" sz="5400" b="0" cap="none" spc="0" dirty="0">
-              <a:ln w="0"/>
-              <a:solidFill>
-                <a:schemeClr val="tx1"/>
-              </a:solidFill>
-              <a:effectLst>
-                <a:outerShdw blurRad="38100" dist="19050" dir="2700000" algn="tl" rotWithShape="0">
-                  <a:schemeClr val="dk1">
-                    <a:alpha val="40000"/>
-                  </a:schemeClr>
-                </a:outerShdw>
-              </a:effectLst>
             </a:endParaRPr>
           </a:p>
         </p:txBody>
@@ -6040,14 +6024,1198 @@
                             </p:stCondLst>
                             <p:childTnLst>
                               <p:par>
-                                <p:cTn id="5" presetID="32" presetClass="emph" presetSubtype="0" fill="hold" nodeType="clickEffect">
+                                <p:cTn id="5" presetID="10" presetClass="entr" presetSubtype="0" fill="hold" grpId="0" nodeType="clickEffect">
                                   <p:stCondLst>
                                     <p:cond delay="0"/>
                                   </p:stCondLst>
                                   <p:childTnLst>
-                                    <p:animRot by="120000">
+                                    <p:set>
                                       <p:cBhvr>
-                                        <p:cTn id="6" dur="100" fill="hold">
+                                        <p:cTn id="6" dur="1" fill="hold">
+                                          <p:stCondLst>
+                                            <p:cond delay="0"/>
+                                          </p:stCondLst>
+                                        </p:cTn>
+                                        <p:tgtEl>
+                                          <p:spTgt spid="26"/>
+                                        </p:tgtEl>
+                                        <p:attrNameLst>
+                                          <p:attrName>style.visibility</p:attrName>
+                                        </p:attrNameLst>
+                                      </p:cBhvr>
+                                      <p:to>
+                                        <p:strVal val="visible"/>
+                                      </p:to>
+                                    </p:set>
+                                    <p:animEffect transition="in" filter="fade">
+                                      <p:cBhvr>
+                                        <p:cTn id="7" dur="500"/>
+                                        <p:tgtEl>
+                                          <p:spTgt spid="26"/>
+                                        </p:tgtEl>
+                                      </p:cBhvr>
+                                    </p:animEffect>
+                                  </p:childTnLst>
+                                </p:cTn>
+                              </p:par>
+                            </p:childTnLst>
+                          </p:cTn>
+                        </p:par>
+                      </p:childTnLst>
+                    </p:cTn>
+                  </p:par>
+                  <p:par>
+                    <p:cTn id="8" fill="hold">
+                      <p:stCondLst>
+                        <p:cond delay="indefinite"/>
+                      </p:stCondLst>
+                      <p:childTnLst>
+                        <p:par>
+                          <p:cTn id="9" fill="hold">
+                            <p:stCondLst>
+                              <p:cond delay="0"/>
+                            </p:stCondLst>
+                            <p:childTnLst>
+                              <p:par>
+                                <p:cTn id="10" presetID="2" presetClass="entr" presetSubtype="4" fill="hold" nodeType="clickEffect">
+                                  <p:stCondLst>
+                                    <p:cond delay="0"/>
+                                  </p:stCondLst>
+                                  <p:childTnLst>
+                                    <p:set>
+                                      <p:cBhvr>
+                                        <p:cTn id="11" dur="1" fill="hold">
+                                          <p:stCondLst>
+                                            <p:cond delay="0"/>
+                                          </p:stCondLst>
+                                        </p:cTn>
+                                        <p:tgtEl>
+                                          <p:spTgt spid="12"/>
+                                        </p:tgtEl>
+                                        <p:attrNameLst>
+                                          <p:attrName>style.visibility</p:attrName>
+                                        </p:attrNameLst>
+                                      </p:cBhvr>
+                                      <p:to>
+                                        <p:strVal val="visible"/>
+                                      </p:to>
+                                    </p:set>
+                                    <p:anim calcmode="lin" valueType="num">
+                                      <p:cBhvr additive="base">
+                                        <p:cTn id="12" dur="500" fill="hold"/>
+                                        <p:tgtEl>
+                                          <p:spTgt spid="12"/>
+                                        </p:tgtEl>
+                                        <p:attrNameLst>
+                                          <p:attrName>ppt_x</p:attrName>
+                                        </p:attrNameLst>
+                                      </p:cBhvr>
+                                      <p:tavLst>
+                                        <p:tav tm="0">
+                                          <p:val>
+                                            <p:strVal val="#ppt_x"/>
+                                          </p:val>
+                                        </p:tav>
+                                        <p:tav tm="100000">
+                                          <p:val>
+                                            <p:strVal val="#ppt_x"/>
+                                          </p:val>
+                                        </p:tav>
+                                      </p:tavLst>
+                                    </p:anim>
+                                    <p:anim calcmode="lin" valueType="num">
+                                      <p:cBhvr additive="base">
+                                        <p:cTn id="13" dur="500" fill="hold"/>
+                                        <p:tgtEl>
+                                          <p:spTgt spid="12"/>
+                                        </p:tgtEl>
+                                        <p:attrNameLst>
+                                          <p:attrName>ppt_y</p:attrName>
+                                        </p:attrNameLst>
+                                      </p:cBhvr>
+                                      <p:tavLst>
+                                        <p:tav tm="0">
+                                          <p:val>
+                                            <p:strVal val="1+#ppt_h/2"/>
+                                          </p:val>
+                                        </p:tav>
+                                        <p:tav tm="100000">
+                                          <p:val>
+                                            <p:strVal val="#ppt_y"/>
+                                          </p:val>
+                                        </p:tav>
+                                      </p:tavLst>
+                                    </p:anim>
+                                  </p:childTnLst>
+                                </p:cTn>
+                              </p:par>
+                              <p:par>
+                                <p:cTn id="14" presetID="2" presetClass="entr" presetSubtype="4" fill="hold" nodeType="withEffect">
+                                  <p:stCondLst>
+                                    <p:cond delay="0"/>
+                                  </p:stCondLst>
+                                  <p:childTnLst>
+                                    <p:set>
+                                      <p:cBhvr>
+                                        <p:cTn id="15" dur="1" fill="hold">
+                                          <p:stCondLst>
+                                            <p:cond delay="0"/>
+                                          </p:stCondLst>
+                                        </p:cTn>
+                                        <p:tgtEl>
+                                          <p:spTgt spid="2052"/>
+                                        </p:tgtEl>
+                                        <p:attrNameLst>
+                                          <p:attrName>style.visibility</p:attrName>
+                                        </p:attrNameLst>
+                                      </p:cBhvr>
+                                      <p:to>
+                                        <p:strVal val="visible"/>
+                                      </p:to>
+                                    </p:set>
+                                    <p:anim calcmode="lin" valueType="num">
+                                      <p:cBhvr additive="base">
+                                        <p:cTn id="16" dur="500" fill="hold"/>
+                                        <p:tgtEl>
+                                          <p:spTgt spid="2052"/>
+                                        </p:tgtEl>
+                                        <p:attrNameLst>
+                                          <p:attrName>ppt_x</p:attrName>
+                                        </p:attrNameLst>
+                                      </p:cBhvr>
+                                      <p:tavLst>
+                                        <p:tav tm="0">
+                                          <p:val>
+                                            <p:strVal val="#ppt_x"/>
+                                          </p:val>
+                                        </p:tav>
+                                        <p:tav tm="100000">
+                                          <p:val>
+                                            <p:strVal val="#ppt_x"/>
+                                          </p:val>
+                                        </p:tav>
+                                      </p:tavLst>
+                                    </p:anim>
+                                    <p:anim calcmode="lin" valueType="num">
+                                      <p:cBhvr additive="base">
+                                        <p:cTn id="17" dur="500" fill="hold"/>
+                                        <p:tgtEl>
+                                          <p:spTgt spid="2052"/>
+                                        </p:tgtEl>
+                                        <p:attrNameLst>
+                                          <p:attrName>ppt_y</p:attrName>
+                                        </p:attrNameLst>
+                                      </p:cBhvr>
+                                      <p:tavLst>
+                                        <p:tav tm="0">
+                                          <p:val>
+                                            <p:strVal val="1+#ppt_h/2"/>
+                                          </p:val>
+                                        </p:tav>
+                                        <p:tav tm="100000">
+                                          <p:val>
+                                            <p:strVal val="#ppt_y"/>
+                                          </p:val>
+                                        </p:tav>
+                                      </p:tavLst>
+                                    </p:anim>
+                                  </p:childTnLst>
+                                </p:cTn>
+                              </p:par>
+                              <p:par>
+                                <p:cTn id="18" presetID="2" presetClass="entr" presetSubtype="4" fill="hold" nodeType="withEffect">
+                                  <p:stCondLst>
+                                    <p:cond delay="0"/>
+                                  </p:stCondLst>
+                                  <p:childTnLst>
+                                    <p:set>
+                                      <p:cBhvr>
+                                        <p:cTn id="19" dur="1" fill="hold">
+                                          <p:stCondLst>
+                                            <p:cond delay="0"/>
+                                          </p:stCondLst>
+                                        </p:cTn>
+                                        <p:tgtEl>
+                                          <p:spTgt spid="14"/>
+                                        </p:tgtEl>
+                                        <p:attrNameLst>
+                                          <p:attrName>style.visibility</p:attrName>
+                                        </p:attrNameLst>
+                                      </p:cBhvr>
+                                      <p:to>
+                                        <p:strVal val="visible"/>
+                                      </p:to>
+                                    </p:set>
+                                    <p:anim calcmode="lin" valueType="num">
+                                      <p:cBhvr additive="base">
+                                        <p:cTn id="20" dur="500" fill="hold"/>
+                                        <p:tgtEl>
+                                          <p:spTgt spid="14"/>
+                                        </p:tgtEl>
+                                        <p:attrNameLst>
+                                          <p:attrName>ppt_x</p:attrName>
+                                        </p:attrNameLst>
+                                      </p:cBhvr>
+                                      <p:tavLst>
+                                        <p:tav tm="0">
+                                          <p:val>
+                                            <p:strVal val="#ppt_x"/>
+                                          </p:val>
+                                        </p:tav>
+                                        <p:tav tm="100000">
+                                          <p:val>
+                                            <p:strVal val="#ppt_x"/>
+                                          </p:val>
+                                        </p:tav>
+                                      </p:tavLst>
+                                    </p:anim>
+                                    <p:anim calcmode="lin" valueType="num">
+                                      <p:cBhvr additive="base">
+                                        <p:cTn id="21" dur="500" fill="hold"/>
+                                        <p:tgtEl>
+                                          <p:spTgt spid="14"/>
+                                        </p:tgtEl>
+                                        <p:attrNameLst>
+                                          <p:attrName>ppt_y</p:attrName>
+                                        </p:attrNameLst>
+                                      </p:cBhvr>
+                                      <p:tavLst>
+                                        <p:tav tm="0">
+                                          <p:val>
+                                            <p:strVal val="1+#ppt_h/2"/>
+                                          </p:val>
+                                        </p:tav>
+                                        <p:tav tm="100000">
+                                          <p:val>
+                                            <p:strVal val="#ppt_y"/>
+                                          </p:val>
+                                        </p:tav>
+                                      </p:tavLst>
+                                    </p:anim>
+                                  </p:childTnLst>
+                                </p:cTn>
+                              </p:par>
+                              <p:par>
+                                <p:cTn id="22" presetID="2" presetClass="entr" presetSubtype="4" fill="hold" grpId="0" nodeType="withEffect">
+                                  <p:stCondLst>
+                                    <p:cond delay="0"/>
+                                  </p:stCondLst>
+                                  <p:childTnLst>
+                                    <p:set>
+                                      <p:cBhvr>
+                                        <p:cTn id="23" dur="1" fill="hold">
+                                          <p:stCondLst>
+                                            <p:cond delay="0"/>
+                                          </p:stCondLst>
+                                        </p:cTn>
+                                        <p:tgtEl>
+                                          <p:spTgt spid="21"/>
+                                        </p:tgtEl>
+                                        <p:attrNameLst>
+                                          <p:attrName>style.visibility</p:attrName>
+                                        </p:attrNameLst>
+                                      </p:cBhvr>
+                                      <p:to>
+                                        <p:strVal val="visible"/>
+                                      </p:to>
+                                    </p:set>
+                                    <p:anim calcmode="lin" valueType="num">
+                                      <p:cBhvr additive="base">
+                                        <p:cTn id="24" dur="500" fill="hold"/>
+                                        <p:tgtEl>
+                                          <p:spTgt spid="21"/>
+                                        </p:tgtEl>
+                                        <p:attrNameLst>
+                                          <p:attrName>ppt_x</p:attrName>
+                                        </p:attrNameLst>
+                                      </p:cBhvr>
+                                      <p:tavLst>
+                                        <p:tav tm="0">
+                                          <p:val>
+                                            <p:strVal val="#ppt_x"/>
+                                          </p:val>
+                                        </p:tav>
+                                        <p:tav tm="100000">
+                                          <p:val>
+                                            <p:strVal val="#ppt_x"/>
+                                          </p:val>
+                                        </p:tav>
+                                      </p:tavLst>
+                                    </p:anim>
+                                    <p:anim calcmode="lin" valueType="num">
+                                      <p:cBhvr additive="base">
+                                        <p:cTn id="25" dur="500" fill="hold"/>
+                                        <p:tgtEl>
+                                          <p:spTgt spid="21"/>
+                                        </p:tgtEl>
+                                        <p:attrNameLst>
+                                          <p:attrName>ppt_y</p:attrName>
+                                        </p:attrNameLst>
+                                      </p:cBhvr>
+                                      <p:tavLst>
+                                        <p:tav tm="0">
+                                          <p:val>
+                                            <p:strVal val="1+#ppt_h/2"/>
+                                          </p:val>
+                                        </p:tav>
+                                        <p:tav tm="100000">
+                                          <p:val>
+                                            <p:strVal val="#ppt_y"/>
+                                          </p:val>
+                                        </p:tav>
+                                      </p:tavLst>
+                                    </p:anim>
+                                  </p:childTnLst>
+                                </p:cTn>
+                              </p:par>
+                              <p:par>
+                                <p:cTn id="26" presetID="2" presetClass="entr" presetSubtype="4" fill="hold" grpId="0" nodeType="withEffect">
+                                  <p:stCondLst>
+                                    <p:cond delay="0"/>
+                                  </p:stCondLst>
+                                  <p:childTnLst>
+                                    <p:set>
+                                      <p:cBhvr>
+                                        <p:cTn id="27" dur="1" fill="hold">
+                                          <p:stCondLst>
+                                            <p:cond delay="0"/>
+                                          </p:stCondLst>
+                                        </p:cTn>
+                                        <p:tgtEl>
+                                          <p:spTgt spid="20"/>
+                                        </p:tgtEl>
+                                        <p:attrNameLst>
+                                          <p:attrName>style.visibility</p:attrName>
+                                        </p:attrNameLst>
+                                      </p:cBhvr>
+                                      <p:to>
+                                        <p:strVal val="visible"/>
+                                      </p:to>
+                                    </p:set>
+                                    <p:anim calcmode="lin" valueType="num">
+                                      <p:cBhvr additive="base">
+                                        <p:cTn id="28" dur="500" fill="hold"/>
+                                        <p:tgtEl>
+                                          <p:spTgt spid="20"/>
+                                        </p:tgtEl>
+                                        <p:attrNameLst>
+                                          <p:attrName>ppt_x</p:attrName>
+                                        </p:attrNameLst>
+                                      </p:cBhvr>
+                                      <p:tavLst>
+                                        <p:tav tm="0">
+                                          <p:val>
+                                            <p:strVal val="#ppt_x"/>
+                                          </p:val>
+                                        </p:tav>
+                                        <p:tav tm="100000">
+                                          <p:val>
+                                            <p:strVal val="#ppt_x"/>
+                                          </p:val>
+                                        </p:tav>
+                                      </p:tavLst>
+                                    </p:anim>
+                                    <p:anim calcmode="lin" valueType="num">
+                                      <p:cBhvr additive="base">
+                                        <p:cTn id="29" dur="500" fill="hold"/>
+                                        <p:tgtEl>
+                                          <p:spTgt spid="20"/>
+                                        </p:tgtEl>
+                                        <p:attrNameLst>
+                                          <p:attrName>ppt_y</p:attrName>
+                                        </p:attrNameLst>
+                                      </p:cBhvr>
+                                      <p:tavLst>
+                                        <p:tav tm="0">
+                                          <p:val>
+                                            <p:strVal val="1+#ppt_h/2"/>
+                                          </p:val>
+                                        </p:tav>
+                                        <p:tav tm="100000">
+                                          <p:val>
+                                            <p:strVal val="#ppt_y"/>
+                                          </p:val>
+                                        </p:tav>
+                                      </p:tavLst>
+                                    </p:anim>
+                                  </p:childTnLst>
+                                </p:cTn>
+                              </p:par>
+                              <p:par>
+                                <p:cTn id="30" presetID="2" presetClass="entr" presetSubtype="4" fill="hold" grpId="0" nodeType="withEffect">
+                                  <p:stCondLst>
+                                    <p:cond delay="0"/>
+                                  </p:stCondLst>
+                                  <p:childTnLst>
+                                    <p:set>
+                                      <p:cBhvr>
+                                        <p:cTn id="31" dur="1" fill="hold">
+                                          <p:stCondLst>
+                                            <p:cond delay="0"/>
+                                          </p:stCondLst>
+                                        </p:cTn>
+                                        <p:tgtEl>
+                                          <p:spTgt spid="19"/>
+                                        </p:tgtEl>
+                                        <p:attrNameLst>
+                                          <p:attrName>style.visibility</p:attrName>
+                                        </p:attrNameLst>
+                                      </p:cBhvr>
+                                      <p:to>
+                                        <p:strVal val="visible"/>
+                                      </p:to>
+                                    </p:set>
+                                    <p:anim calcmode="lin" valueType="num">
+                                      <p:cBhvr additive="base">
+                                        <p:cTn id="32" dur="500" fill="hold"/>
+                                        <p:tgtEl>
+                                          <p:spTgt spid="19"/>
+                                        </p:tgtEl>
+                                        <p:attrNameLst>
+                                          <p:attrName>ppt_x</p:attrName>
+                                        </p:attrNameLst>
+                                      </p:cBhvr>
+                                      <p:tavLst>
+                                        <p:tav tm="0">
+                                          <p:val>
+                                            <p:strVal val="#ppt_x"/>
+                                          </p:val>
+                                        </p:tav>
+                                        <p:tav tm="100000">
+                                          <p:val>
+                                            <p:strVal val="#ppt_x"/>
+                                          </p:val>
+                                        </p:tav>
+                                      </p:tavLst>
+                                    </p:anim>
+                                    <p:anim calcmode="lin" valueType="num">
+                                      <p:cBhvr additive="base">
+                                        <p:cTn id="33" dur="500" fill="hold"/>
+                                        <p:tgtEl>
+                                          <p:spTgt spid="19"/>
+                                        </p:tgtEl>
+                                        <p:attrNameLst>
+                                          <p:attrName>ppt_y</p:attrName>
+                                        </p:attrNameLst>
+                                      </p:cBhvr>
+                                      <p:tavLst>
+                                        <p:tav tm="0">
+                                          <p:val>
+                                            <p:strVal val="1+#ppt_h/2"/>
+                                          </p:val>
+                                        </p:tav>
+                                        <p:tav tm="100000">
+                                          <p:val>
+                                            <p:strVal val="#ppt_y"/>
+                                          </p:val>
+                                        </p:tav>
+                                      </p:tavLst>
+                                    </p:anim>
+                                  </p:childTnLst>
+                                </p:cTn>
+                              </p:par>
+                              <p:par>
+                                <p:cTn id="34" presetID="2" presetClass="entr" presetSubtype="4" fill="hold" grpId="0" nodeType="withEffect">
+                                  <p:stCondLst>
+                                    <p:cond delay="0"/>
+                                  </p:stCondLst>
+                                  <p:childTnLst>
+                                    <p:set>
+                                      <p:cBhvr>
+                                        <p:cTn id="35" dur="1" fill="hold">
+                                          <p:stCondLst>
+                                            <p:cond delay="0"/>
+                                          </p:stCondLst>
+                                        </p:cTn>
+                                        <p:tgtEl>
+                                          <p:spTgt spid="10"/>
+                                        </p:tgtEl>
+                                        <p:attrNameLst>
+                                          <p:attrName>style.visibility</p:attrName>
+                                        </p:attrNameLst>
+                                      </p:cBhvr>
+                                      <p:to>
+                                        <p:strVal val="visible"/>
+                                      </p:to>
+                                    </p:set>
+                                    <p:anim calcmode="lin" valueType="num">
+                                      <p:cBhvr additive="base">
+                                        <p:cTn id="36" dur="500" fill="hold"/>
+                                        <p:tgtEl>
+                                          <p:spTgt spid="10"/>
+                                        </p:tgtEl>
+                                        <p:attrNameLst>
+                                          <p:attrName>ppt_x</p:attrName>
+                                        </p:attrNameLst>
+                                      </p:cBhvr>
+                                      <p:tavLst>
+                                        <p:tav tm="0">
+                                          <p:val>
+                                            <p:strVal val="#ppt_x"/>
+                                          </p:val>
+                                        </p:tav>
+                                        <p:tav tm="100000">
+                                          <p:val>
+                                            <p:strVal val="#ppt_x"/>
+                                          </p:val>
+                                        </p:tav>
+                                      </p:tavLst>
+                                    </p:anim>
+                                    <p:anim calcmode="lin" valueType="num">
+                                      <p:cBhvr additive="base">
+                                        <p:cTn id="37" dur="500" fill="hold"/>
+                                        <p:tgtEl>
+                                          <p:spTgt spid="10"/>
+                                        </p:tgtEl>
+                                        <p:attrNameLst>
+                                          <p:attrName>ppt_y</p:attrName>
+                                        </p:attrNameLst>
+                                      </p:cBhvr>
+                                      <p:tavLst>
+                                        <p:tav tm="0">
+                                          <p:val>
+                                            <p:strVal val="1+#ppt_h/2"/>
+                                          </p:val>
+                                        </p:tav>
+                                        <p:tav tm="100000">
+                                          <p:val>
+                                            <p:strVal val="#ppt_y"/>
+                                          </p:val>
+                                        </p:tav>
+                                      </p:tavLst>
+                                    </p:anim>
+                                  </p:childTnLst>
+                                </p:cTn>
+                              </p:par>
+                              <p:par>
+                                <p:cTn id="38" presetID="2" presetClass="entr" presetSubtype="4" fill="hold" grpId="0" nodeType="withEffect">
+                                  <p:stCondLst>
+                                    <p:cond delay="0"/>
+                                  </p:stCondLst>
+                                  <p:childTnLst>
+                                    <p:set>
+                                      <p:cBhvr>
+                                        <p:cTn id="39" dur="1" fill="hold">
+                                          <p:stCondLst>
+                                            <p:cond delay="0"/>
+                                          </p:stCondLst>
+                                        </p:cTn>
+                                        <p:tgtEl>
+                                          <p:spTgt spid="18"/>
+                                        </p:tgtEl>
+                                        <p:attrNameLst>
+                                          <p:attrName>style.visibility</p:attrName>
+                                        </p:attrNameLst>
+                                      </p:cBhvr>
+                                      <p:to>
+                                        <p:strVal val="visible"/>
+                                      </p:to>
+                                    </p:set>
+                                    <p:anim calcmode="lin" valueType="num">
+                                      <p:cBhvr additive="base">
+                                        <p:cTn id="40" dur="500" fill="hold"/>
+                                        <p:tgtEl>
+                                          <p:spTgt spid="18"/>
+                                        </p:tgtEl>
+                                        <p:attrNameLst>
+                                          <p:attrName>ppt_x</p:attrName>
+                                        </p:attrNameLst>
+                                      </p:cBhvr>
+                                      <p:tavLst>
+                                        <p:tav tm="0">
+                                          <p:val>
+                                            <p:strVal val="#ppt_x"/>
+                                          </p:val>
+                                        </p:tav>
+                                        <p:tav tm="100000">
+                                          <p:val>
+                                            <p:strVal val="#ppt_x"/>
+                                          </p:val>
+                                        </p:tav>
+                                      </p:tavLst>
+                                    </p:anim>
+                                    <p:anim calcmode="lin" valueType="num">
+                                      <p:cBhvr additive="base">
+                                        <p:cTn id="41" dur="500" fill="hold"/>
+                                        <p:tgtEl>
+                                          <p:spTgt spid="18"/>
+                                        </p:tgtEl>
+                                        <p:attrNameLst>
+                                          <p:attrName>ppt_y</p:attrName>
+                                        </p:attrNameLst>
+                                      </p:cBhvr>
+                                      <p:tavLst>
+                                        <p:tav tm="0">
+                                          <p:val>
+                                            <p:strVal val="1+#ppt_h/2"/>
+                                          </p:val>
+                                        </p:tav>
+                                        <p:tav tm="100000">
+                                          <p:val>
+                                            <p:strVal val="#ppt_y"/>
+                                          </p:val>
+                                        </p:tav>
+                                      </p:tavLst>
+                                    </p:anim>
+                                  </p:childTnLst>
+                                </p:cTn>
+                              </p:par>
+                              <p:par>
+                                <p:cTn id="42" presetID="2" presetClass="entr" presetSubtype="4" fill="hold" grpId="0" nodeType="withEffect">
+                                  <p:stCondLst>
+                                    <p:cond delay="0"/>
+                                  </p:stCondLst>
+                                  <p:childTnLst>
+                                    <p:set>
+                                      <p:cBhvr>
+                                        <p:cTn id="43" dur="1" fill="hold">
+                                          <p:stCondLst>
+                                            <p:cond delay="0"/>
+                                          </p:stCondLst>
+                                        </p:cTn>
+                                        <p:tgtEl>
+                                          <p:spTgt spid="8"/>
+                                        </p:tgtEl>
+                                        <p:attrNameLst>
+                                          <p:attrName>style.visibility</p:attrName>
+                                        </p:attrNameLst>
+                                      </p:cBhvr>
+                                      <p:to>
+                                        <p:strVal val="visible"/>
+                                      </p:to>
+                                    </p:set>
+                                    <p:anim calcmode="lin" valueType="num">
+                                      <p:cBhvr additive="base">
+                                        <p:cTn id="44" dur="500" fill="hold"/>
+                                        <p:tgtEl>
+                                          <p:spTgt spid="8"/>
+                                        </p:tgtEl>
+                                        <p:attrNameLst>
+                                          <p:attrName>ppt_x</p:attrName>
+                                        </p:attrNameLst>
+                                      </p:cBhvr>
+                                      <p:tavLst>
+                                        <p:tav tm="0">
+                                          <p:val>
+                                            <p:strVal val="#ppt_x"/>
+                                          </p:val>
+                                        </p:tav>
+                                        <p:tav tm="100000">
+                                          <p:val>
+                                            <p:strVal val="#ppt_x"/>
+                                          </p:val>
+                                        </p:tav>
+                                      </p:tavLst>
+                                    </p:anim>
+                                    <p:anim calcmode="lin" valueType="num">
+                                      <p:cBhvr additive="base">
+                                        <p:cTn id="45" dur="500" fill="hold"/>
+                                        <p:tgtEl>
+                                          <p:spTgt spid="8"/>
+                                        </p:tgtEl>
+                                        <p:attrNameLst>
+                                          <p:attrName>ppt_y</p:attrName>
+                                        </p:attrNameLst>
+                                      </p:cBhvr>
+                                      <p:tavLst>
+                                        <p:tav tm="0">
+                                          <p:val>
+                                            <p:strVal val="1+#ppt_h/2"/>
+                                          </p:val>
+                                        </p:tav>
+                                        <p:tav tm="100000">
+                                          <p:val>
+                                            <p:strVal val="#ppt_y"/>
+                                          </p:val>
+                                        </p:tav>
+                                      </p:tavLst>
+                                    </p:anim>
+                                  </p:childTnLst>
+                                </p:cTn>
+                              </p:par>
+                              <p:par>
+                                <p:cTn id="46" presetID="2" presetClass="entr" presetSubtype="4" fill="hold" grpId="0" nodeType="withEffect">
+                                  <p:stCondLst>
+                                    <p:cond delay="0"/>
+                                  </p:stCondLst>
+                                  <p:childTnLst>
+                                    <p:set>
+                                      <p:cBhvr>
+                                        <p:cTn id="47" dur="1" fill="hold">
+                                          <p:stCondLst>
+                                            <p:cond delay="0"/>
+                                          </p:stCondLst>
+                                        </p:cTn>
+                                        <p:tgtEl>
+                                          <p:spTgt spid="9"/>
+                                        </p:tgtEl>
+                                        <p:attrNameLst>
+                                          <p:attrName>style.visibility</p:attrName>
+                                        </p:attrNameLst>
+                                      </p:cBhvr>
+                                      <p:to>
+                                        <p:strVal val="visible"/>
+                                      </p:to>
+                                    </p:set>
+                                    <p:anim calcmode="lin" valueType="num">
+                                      <p:cBhvr additive="base">
+                                        <p:cTn id="48" dur="500" fill="hold"/>
+                                        <p:tgtEl>
+                                          <p:spTgt spid="9"/>
+                                        </p:tgtEl>
+                                        <p:attrNameLst>
+                                          <p:attrName>ppt_x</p:attrName>
+                                        </p:attrNameLst>
+                                      </p:cBhvr>
+                                      <p:tavLst>
+                                        <p:tav tm="0">
+                                          <p:val>
+                                            <p:strVal val="#ppt_x"/>
+                                          </p:val>
+                                        </p:tav>
+                                        <p:tav tm="100000">
+                                          <p:val>
+                                            <p:strVal val="#ppt_x"/>
+                                          </p:val>
+                                        </p:tav>
+                                      </p:tavLst>
+                                    </p:anim>
+                                    <p:anim calcmode="lin" valueType="num">
+                                      <p:cBhvr additive="base">
+                                        <p:cTn id="49" dur="500" fill="hold"/>
+                                        <p:tgtEl>
+                                          <p:spTgt spid="9"/>
+                                        </p:tgtEl>
+                                        <p:attrNameLst>
+                                          <p:attrName>ppt_y</p:attrName>
+                                        </p:attrNameLst>
+                                      </p:cBhvr>
+                                      <p:tavLst>
+                                        <p:tav tm="0">
+                                          <p:val>
+                                            <p:strVal val="1+#ppt_h/2"/>
+                                          </p:val>
+                                        </p:tav>
+                                        <p:tav tm="100000">
+                                          <p:val>
+                                            <p:strVal val="#ppt_y"/>
+                                          </p:val>
+                                        </p:tav>
+                                      </p:tavLst>
+                                    </p:anim>
+                                  </p:childTnLst>
+                                </p:cTn>
+                              </p:par>
+                              <p:par>
+                                <p:cTn id="50" presetID="2" presetClass="entr" presetSubtype="4" fill="hold" nodeType="withEffect">
+                                  <p:stCondLst>
+                                    <p:cond delay="0"/>
+                                  </p:stCondLst>
+                                  <p:childTnLst>
+                                    <p:set>
+                                      <p:cBhvr>
+                                        <p:cTn id="51" dur="1" fill="hold">
+                                          <p:stCondLst>
+                                            <p:cond delay="0"/>
+                                          </p:stCondLst>
+                                        </p:cTn>
+                                        <p:tgtEl>
+                                          <p:spTgt spid="15"/>
+                                        </p:tgtEl>
+                                        <p:attrNameLst>
+                                          <p:attrName>style.visibility</p:attrName>
+                                        </p:attrNameLst>
+                                      </p:cBhvr>
+                                      <p:to>
+                                        <p:strVal val="visible"/>
+                                      </p:to>
+                                    </p:set>
+                                    <p:anim calcmode="lin" valueType="num">
+                                      <p:cBhvr additive="base">
+                                        <p:cTn id="52" dur="500" fill="hold"/>
+                                        <p:tgtEl>
+                                          <p:spTgt spid="15"/>
+                                        </p:tgtEl>
+                                        <p:attrNameLst>
+                                          <p:attrName>ppt_x</p:attrName>
+                                        </p:attrNameLst>
+                                      </p:cBhvr>
+                                      <p:tavLst>
+                                        <p:tav tm="0">
+                                          <p:val>
+                                            <p:strVal val="#ppt_x"/>
+                                          </p:val>
+                                        </p:tav>
+                                        <p:tav tm="100000">
+                                          <p:val>
+                                            <p:strVal val="#ppt_x"/>
+                                          </p:val>
+                                        </p:tav>
+                                      </p:tavLst>
+                                    </p:anim>
+                                    <p:anim calcmode="lin" valueType="num">
+                                      <p:cBhvr additive="base">
+                                        <p:cTn id="53" dur="500" fill="hold"/>
+                                        <p:tgtEl>
+                                          <p:spTgt spid="15"/>
+                                        </p:tgtEl>
+                                        <p:attrNameLst>
+                                          <p:attrName>ppt_y</p:attrName>
+                                        </p:attrNameLst>
+                                      </p:cBhvr>
+                                      <p:tavLst>
+                                        <p:tav tm="0">
+                                          <p:val>
+                                            <p:strVal val="1+#ppt_h/2"/>
+                                          </p:val>
+                                        </p:tav>
+                                        <p:tav tm="100000">
+                                          <p:val>
+                                            <p:strVal val="#ppt_y"/>
+                                          </p:val>
+                                        </p:tav>
+                                      </p:tavLst>
+                                    </p:anim>
+                                  </p:childTnLst>
+                                </p:cTn>
+                              </p:par>
+                            </p:childTnLst>
+                          </p:cTn>
+                        </p:par>
+                      </p:childTnLst>
+                    </p:cTn>
+                  </p:par>
+                  <p:par>
+                    <p:cTn id="54" fill="hold">
+                      <p:stCondLst>
+                        <p:cond delay="indefinite"/>
+                      </p:stCondLst>
+                      <p:childTnLst>
+                        <p:par>
+                          <p:cTn id="55" fill="hold">
+                            <p:stCondLst>
+                              <p:cond delay="0"/>
+                            </p:stCondLst>
+                            <p:childTnLst>
+                              <p:par>
+                                <p:cTn id="56" presetID="2" presetClass="entr" presetSubtype="4" fill="hold" grpId="0" nodeType="clickEffect">
+                                  <p:stCondLst>
+                                    <p:cond delay="0"/>
+                                  </p:stCondLst>
+                                  <p:childTnLst>
+                                    <p:set>
+                                      <p:cBhvr>
+                                        <p:cTn id="57" dur="1" fill="hold">
+                                          <p:stCondLst>
+                                            <p:cond delay="0"/>
+                                          </p:stCondLst>
+                                        </p:cTn>
+                                        <p:tgtEl>
+                                          <p:spTgt spid="16"/>
+                                        </p:tgtEl>
+                                        <p:attrNameLst>
+                                          <p:attrName>style.visibility</p:attrName>
+                                        </p:attrNameLst>
+                                      </p:cBhvr>
+                                      <p:to>
+                                        <p:strVal val="visible"/>
+                                      </p:to>
+                                    </p:set>
+                                    <p:anim calcmode="lin" valueType="num">
+                                      <p:cBhvr additive="base">
+                                        <p:cTn id="58" dur="500" fill="hold"/>
+                                        <p:tgtEl>
+                                          <p:spTgt spid="16"/>
+                                        </p:tgtEl>
+                                        <p:attrNameLst>
+                                          <p:attrName>ppt_x</p:attrName>
+                                        </p:attrNameLst>
+                                      </p:cBhvr>
+                                      <p:tavLst>
+                                        <p:tav tm="0">
+                                          <p:val>
+                                            <p:strVal val="#ppt_x"/>
+                                          </p:val>
+                                        </p:tav>
+                                        <p:tav tm="100000">
+                                          <p:val>
+                                            <p:strVal val="#ppt_x"/>
+                                          </p:val>
+                                        </p:tav>
+                                      </p:tavLst>
+                                    </p:anim>
+                                    <p:anim calcmode="lin" valueType="num">
+                                      <p:cBhvr additive="base">
+                                        <p:cTn id="59" dur="500" fill="hold"/>
+                                        <p:tgtEl>
+                                          <p:spTgt spid="16"/>
+                                        </p:tgtEl>
+                                        <p:attrNameLst>
+                                          <p:attrName>ppt_y</p:attrName>
+                                        </p:attrNameLst>
+                                      </p:cBhvr>
+                                      <p:tavLst>
+                                        <p:tav tm="0">
+                                          <p:val>
+                                            <p:strVal val="1+#ppt_h/2"/>
+                                          </p:val>
+                                        </p:tav>
+                                        <p:tav tm="100000">
+                                          <p:val>
+                                            <p:strVal val="#ppt_y"/>
+                                          </p:val>
+                                        </p:tav>
+                                      </p:tavLst>
+                                    </p:anim>
+                                  </p:childTnLst>
+                                </p:cTn>
+                              </p:par>
+                              <p:par>
+                                <p:cTn id="60" presetID="2" presetClass="entr" presetSubtype="4" fill="hold" nodeType="withEffect">
+                                  <p:stCondLst>
+                                    <p:cond delay="0"/>
+                                  </p:stCondLst>
+                                  <p:childTnLst>
+                                    <p:set>
+                                      <p:cBhvr>
+                                        <p:cTn id="61" dur="1" fill="hold">
+                                          <p:stCondLst>
+                                            <p:cond delay="0"/>
+                                          </p:stCondLst>
+                                        </p:cTn>
+                                        <p:tgtEl>
+                                          <p:spTgt spid="22"/>
+                                        </p:tgtEl>
+                                        <p:attrNameLst>
+                                          <p:attrName>style.visibility</p:attrName>
+                                        </p:attrNameLst>
+                                      </p:cBhvr>
+                                      <p:to>
+                                        <p:strVal val="visible"/>
+                                      </p:to>
+                                    </p:set>
+                                    <p:anim calcmode="lin" valueType="num">
+                                      <p:cBhvr additive="base">
+                                        <p:cTn id="62" dur="500" fill="hold"/>
+                                        <p:tgtEl>
+                                          <p:spTgt spid="22"/>
+                                        </p:tgtEl>
+                                        <p:attrNameLst>
+                                          <p:attrName>ppt_x</p:attrName>
+                                        </p:attrNameLst>
+                                      </p:cBhvr>
+                                      <p:tavLst>
+                                        <p:tav tm="0">
+                                          <p:val>
+                                            <p:strVal val="#ppt_x"/>
+                                          </p:val>
+                                        </p:tav>
+                                        <p:tav tm="100000">
+                                          <p:val>
+                                            <p:strVal val="#ppt_x"/>
+                                          </p:val>
+                                        </p:tav>
+                                      </p:tavLst>
+                                    </p:anim>
+                                    <p:anim calcmode="lin" valueType="num">
+                                      <p:cBhvr additive="base">
+                                        <p:cTn id="63" dur="500" fill="hold"/>
+                                        <p:tgtEl>
+                                          <p:spTgt spid="22"/>
+                                        </p:tgtEl>
+                                        <p:attrNameLst>
+                                          <p:attrName>ppt_y</p:attrName>
+                                        </p:attrNameLst>
+                                      </p:cBhvr>
+                                      <p:tavLst>
+                                        <p:tav tm="0">
+                                          <p:val>
+                                            <p:strVal val="1+#ppt_h/2"/>
+                                          </p:val>
+                                        </p:tav>
+                                        <p:tav tm="100000">
+                                          <p:val>
+                                            <p:strVal val="#ppt_y"/>
+                                          </p:val>
+                                        </p:tav>
+                                      </p:tavLst>
+                                    </p:anim>
+                                  </p:childTnLst>
+                                </p:cTn>
+                              </p:par>
+                              <p:par>
+                                <p:cTn id="64" presetID="2" presetClass="entr" presetSubtype="4" fill="hold" grpId="0" nodeType="withEffect">
+                                  <p:stCondLst>
+                                    <p:cond delay="0"/>
+                                  </p:stCondLst>
+                                  <p:childTnLst>
+                                    <p:set>
+                                      <p:cBhvr>
+                                        <p:cTn id="65" dur="1" fill="hold">
+                                          <p:stCondLst>
+                                            <p:cond delay="0"/>
+                                          </p:stCondLst>
+                                        </p:cTn>
+                                        <p:tgtEl>
+                                          <p:spTgt spid="27"/>
+                                        </p:tgtEl>
+                                        <p:attrNameLst>
+                                          <p:attrName>style.visibility</p:attrName>
+                                        </p:attrNameLst>
+                                      </p:cBhvr>
+                                      <p:to>
+                                        <p:strVal val="visible"/>
+                                      </p:to>
+                                    </p:set>
+                                    <p:anim calcmode="lin" valueType="num">
+                                      <p:cBhvr additive="base">
+                                        <p:cTn id="66" dur="500" fill="hold"/>
+                                        <p:tgtEl>
+                                          <p:spTgt spid="27"/>
+                                        </p:tgtEl>
+                                        <p:attrNameLst>
+                                          <p:attrName>ppt_x</p:attrName>
+                                        </p:attrNameLst>
+                                      </p:cBhvr>
+                                      <p:tavLst>
+                                        <p:tav tm="0">
+                                          <p:val>
+                                            <p:strVal val="#ppt_x"/>
+                                          </p:val>
+                                        </p:tav>
+                                        <p:tav tm="100000">
+                                          <p:val>
+                                            <p:strVal val="#ppt_x"/>
+                                          </p:val>
+                                        </p:tav>
+                                      </p:tavLst>
+                                    </p:anim>
+                                    <p:anim calcmode="lin" valueType="num">
+                                      <p:cBhvr additive="base">
+                                        <p:cTn id="67" dur="500" fill="hold"/>
+                                        <p:tgtEl>
+                                          <p:spTgt spid="27"/>
+                                        </p:tgtEl>
+                                        <p:attrNameLst>
+                                          <p:attrName>ppt_y</p:attrName>
+                                        </p:attrNameLst>
+                                      </p:cBhvr>
+                                      <p:tavLst>
+                                        <p:tav tm="0">
+                                          <p:val>
+                                            <p:strVal val="1+#ppt_h/2"/>
+                                          </p:val>
+                                        </p:tav>
+                                        <p:tav tm="100000">
+                                          <p:val>
+                                            <p:strVal val="#ppt_y"/>
+                                          </p:val>
+                                        </p:tav>
+                                      </p:tavLst>
+                                    </p:anim>
+                                  </p:childTnLst>
+                                </p:cTn>
+                              </p:par>
+                              <p:par>
+                                <p:cTn id="68" presetID="2" presetClass="entr" presetSubtype="4" fill="hold" grpId="0" nodeType="withEffect">
+                                  <p:stCondLst>
+                                    <p:cond delay="0"/>
+                                  </p:stCondLst>
+                                  <p:childTnLst>
+                                    <p:set>
+                                      <p:cBhvr>
+                                        <p:cTn id="69" dur="1" fill="hold">
+                                          <p:stCondLst>
+                                            <p:cond delay="0"/>
+                                          </p:stCondLst>
+                                        </p:cTn>
+                                        <p:tgtEl>
+                                          <p:spTgt spid="31"/>
+                                        </p:tgtEl>
+                                        <p:attrNameLst>
+                                          <p:attrName>style.visibility</p:attrName>
+                                        </p:attrNameLst>
+                                      </p:cBhvr>
+                                      <p:to>
+                                        <p:strVal val="visible"/>
+                                      </p:to>
+                                    </p:set>
+                                    <p:anim calcmode="lin" valueType="num">
+                                      <p:cBhvr additive="base">
+                                        <p:cTn id="70" dur="500" fill="hold"/>
+                                        <p:tgtEl>
+                                          <p:spTgt spid="31"/>
+                                        </p:tgtEl>
+                                        <p:attrNameLst>
+                                          <p:attrName>ppt_x</p:attrName>
+                                        </p:attrNameLst>
+                                      </p:cBhvr>
+                                      <p:tavLst>
+                                        <p:tav tm="0">
+                                          <p:val>
+                                            <p:strVal val="#ppt_x"/>
+                                          </p:val>
+                                        </p:tav>
+                                        <p:tav tm="100000">
+                                          <p:val>
+                                            <p:strVal val="#ppt_x"/>
+                                          </p:val>
+                                        </p:tav>
+                                      </p:tavLst>
+                                    </p:anim>
+                                    <p:anim calcmode="lin" valueType="num">
+                                      <p:cBhvr additive="base">
+                                        <p:cTn id="71" dur="500" fill="hold"/>
+                                        <p:tgtEl>
+                                          <p:spTgt spid="31"/>
+                                        </p:tgtEl>
+                                        <p:attrNameLst>
+                                          <p:attrName>ppt_y</p:attrName>
+                                        </p:attrNameLst>
+                                      </p:cBhvr>
+                                      <p:tavLst>
+                                        <p:tav tm="0">
+                                          <p:val>
+                                            <p:strVal val="1+#ppt_h/2"/>
+                                          </p:val>
+                                        </p:tav>
+                                        <p:tav tm="100000">
+                                          <p:val>
+                                            <p:strVal val="#ppt_y"/>
+                                          </p:val>
+                                        </p:tav>
+                                      </p:tavLst>
+                                    </p:anim>
+                                  </p:childTnLst>
+                                </p:cTn>
+                              </p:par>
+                            </p:childTnLst>
+                          </p:cTn>
+                        </p:par>
+                      </p:childTnLst>
+                    </p:cTn>
+                  </p:par>
+                  <p:par>
+                    <p:cTn id="72" fill="hold">
+                      <p:stCondLst>
+                        <p:cond delay="indefinite"/>
+                      </p:stCondLst>
+                      <p:childTnLst>
+                        <p:par>
+                          <p:cTn id="73" fill="hold">
+                            <p:stCondLst>
+                              <p:cond delay="0"/>
+                            </p:stCondLst>
+                            <p:childTnLst>
+                              <p:par>
+                                <p:cTn id="74" presetID="26" presetClass="entr" presetSubtype="0" fill="hold" nodeType="clickEffect">
+                                  <p:stCondLst>
+                                    <p:cond delay="0"/>
+                                  </p:stCondLst>
+                                  <p:childTnLst>
+                                    <p:set>
+                                      <p:cBhvr>
+                                        <p:cTn id="75" dur="1" fill="hold">
                                           <p:stCondLst>
                                             <p:cond delay="0"/>
                                           </p:stCondLst>
@@ -6056,70 +7224,264 @@
                                           <p:spTgt spid="2054"/>
                                         </p:tgtEl>
                                         <p:attrNameLst>
-                                          <p:attrName>r</p:attrName>
+                                          <p:attrName>style.visibility</p:attrName>
                                         </p:attrNameLst>
                                       </p:cBhvr>
-                                    </p:animRot>
-                                    <p:animRot by="-240000">
+                                      <p:to>
+                                        <p:strVal val="visible"/>
+                                      </p:to>
+                                    </p:set>
+                                    <p:animEffect transition="in" filter="wipe(down)">
                                       <p:cBhvr>
-                                        <p:cTn id="7" dur="200" fill="hold">
+                                        <p:cTn id="76" dur="580">
                                           <p:stCondLst>
-                                            <p:cond delay="200"/>
+                                            <p:cond delay="0"/>
+                                          </p:stCondLst>
+                                        </p:cTn>
+                                        <p:tgtEl>
+                                          <p:spTgt spid="2054"/>
+                                        </p:tgtEl>
+                                      </p:cBhvr>
+                                    </p:animEffect>
+                                    <p:anim calcmode="lin" valueType="num">
+                                      <p:cBhvr>
+                                        <p:cTn id="77" dur="1822" tmFilter="0,0; 0.14,0.36; 0.43,0.73; 0.71,0.91; 1.0,1.0">
+                                          <p:stCondLst>
+                                            <p:cond delay="0"/>
                                           </p:stCondLst>
                                         </p:cTn>
                                         <p:tgtEl>
                                           <p:spTgt spid="2054"/>
                                         </p:tgtEl>
                                         <p:attrNameLst>
-                                          <p:attrName>r</p:attrName>
+                                          <p:attrName>ppt_x</p:attrName>
                                         </p:attrNameLst>
                                       </p:cBhvr>
-                                    </p:animRot>
-                                    <p:animRot by="240000">
+                                      <p:tavLst>
+                                        <p:tav tm="0">
+                                          <p:val>
+                                            <p:strVal val="#ppt_x-0.25"/>
+                                          </p:val>
+                                        </p:tav>
+                                        <p:tav tm="100000">
+                                          <p:val>
+                                            <p:strVal val="#ppt_x"/>
+                                          </p:val>
+                                        </p:tav>
+                                      </p:tavLst>
+                                    </p:anim>
+                                    <p:anim calcmode="lin" valueType="num">
                                       <p:cBhvr>
-                                        <p:cTn id="8" dur="200" fill="hold">
+                                        <p:cTn id="78" dur="664" tmFilter="0.0,0.0; 0.25,0.07; 0.50,0.2; 0.75,0.467; 1.0,1.0">
                                           <p:stCondLst>
-                                            <p:cond delay="400"/>
+                                            <p:cond delay="0"/>
                                           </p:stCondLst>
                                         </p:cTn>
                                         <p:tgtEl>
                                           <p:spTgt spid="2054"/>
                                         </p:tgtEl>
                                         <p:attrNameLst>
-                                          <p:attrName>r</p:attrName>
+                                          <p:attrName>ppt_y</p:attrName>
                                         </p:attrNameLst>
                                       </p:cBhvr>
-                                    </p:animRot>
-                                    <p:animRot by="-240000">
+                                      <p:tavLst>
+                                        <p:tav tm="0" fmla="#ppt_y-sin(pi*$)/3">
+                                          <p:val>
+                                            <p:fltVal val="0.5"/>
+                                          </p:val>
+                                        </p:tav>
+                                        <p:tav tm="100000">
+                                          <p:val>
+                                            <p:fltVal val="1"/>
+                                          </p:val>
+                                        </p:tav>
+                                      </p:tavLst>
+                                    </p:anim>
+                                    <p:anim calcmode="lin" valueType="num">
                                       <p:cBhvr>
-                                        <p:cTn id="9" dur="200" fill="hold">
+                                        <p:cTn id="79" dur="664" tmFilter="0, 0; 0.125,0.2665; 0.25,0.4; 0.375,0.465; 0.5,0.5;  0.625,0.535; 0.75,0.6; 0.875,0.7335; 1,1">
                                           <p:stCondLst>
-                                            <p:cond delay="600"/>
+                                            <p:cond delay="664"/>
                                           </p:stCondLst>
                                         </p:cTn>
                                         <p:tgtEl>
                                           <p:spTgt spid="2054"/>
                                         </p:tgtEl>
                                         <p:attrNameLst>
-                                          <p:attrName>r</p:attrName>
+                                          <p:attrName>ppt_y</p:attrName>
                                         </p:attrNameLst>
                                       </p:cBhvr>
-                                    </p:animRot>
-                                    <p:animRot by="120000">
+                                      <p:tavLst>
+                                        <p:tav tm="0" fmla="#ppt_y-sin(pi*$)/9">
+                                          <p:val>
+                                            <p:fltVal val="0"/>
+                                          </p:val>
+                                        </p:tav>
+                                        <p:tav tm="100000">
+                                          <p:val>
+                                            <p:fltVal val="1"/>
+                                          </p:val>
+                                        </p:tav>
+                                      </p:tavLst>
+                                    </p:anim>
+                                    <p:anim calcmode="lin" valueType="num">
                                       <p:cBhvr>
-                                        <p:cTn id="10" dur="200" fill="hold">
+                                        <p:cTn id="80" dur="332" tmFilter="0, 0; 0.125,0.2665; 0.25,0.4; 0.375,0.465; 0.5,0.5;  0.625,0.535; 0.75,0.6; 0.875,0.7335; 1,1">
                                           <p:stCondLst>
-                                            <p:cond delay="800"/>
+                                            <p:cond delay="1324"/>
                                           </p:stCondLst>
                                         </p:cTn>
                                         <p:tgtEl>
                                           <p:spTgt spid="2054"/>
                                         </p:tgtEl>
                                         <p:attrNameLst>
-                                          <p:attrName>r</p:attrName>
+                                          <p:attrName>ppt_y</p:attrName>
                                         </p:attrNameLst>
                                       </p:cBhvr>
-                                    </p:animRot>
+                                      <p:tavLst>
+                                        <p:tav tm="0" fmla="#ppt_y-sin(pi*$)/27">
+                                          <p:val>
+                                            <p:fltVal val="0"/>
+                                          </p:val>
+                                        </p:tav>
+                                        <p:tav tm="100000">
+                                          <p:val>
+                                            <p:fltVal val="1"/>
+                                          </p:val>
+                                        </p:tav>
+                                      </p:tavLst>
+                                    </p:anim>
+                                    <p:anim calcmode="lin" valueType="num">
+                                      <p:cBhvr>
+                                        <p:cTn id="81" dur="164" tmFilter="0, 0; 0.125,0.2665; 0.25,0.4; 0.375,0.465; 0.5,0.5;  0.625,0.535; 0.75,0.6; 0.875,0.7335; 1,1">
+                                          <p:stCondLst>
+                                            <p:cond delay="1656"/>
+                                          </p:stCondLst>
+                                        </p:cTn>
+                                        <p:tgtEl>
+                                          <p:spTgt spid="2054"/>
+                                        </p:tgtEl>
+                                        <p:attrNameLst>
+                                          <p:attrName>ppt_y</p:attrName>
+                                        </p:attrNameLst>
+                                      </p:cBhvr>
+                                      <p:tavLst>
+                                        <p:tav tm="0" fmla="#ppt_y-sin(pi*$)/81">
+                                          <p:val>
+                                            <p:fltVal val="0"/>
+                                          </p:val>
+                                        </p:tav>
+                                        <p:tav tm="100000">
+                                          <p:val>
+                                            <p:fltVal val="1"/>
+                                          </p:val>
+                                        </p:tav>
+                                      </p:tavLst>
+                                    </p:anim>
+                                    <p:animScale>
+                                      <p:cBhvr>
+                                        <p:cTn id="82" dur="26">
+                                          <p:stCondLst>
+                                            <p:cond delay="650"/>
+                                          </p:stCondLst>
+                                        </p:cTn>
+                                        <p:tgtEl>
+                                          <p:spTgt spid="2054"/>
+                                        </p:tgtEl>
+                                      </p:cBhvr>
+                                      <p:to x="100000" y="60000"/>
+                                    </p:animScale>
+                                    <p:animScale>
+                                      <p:cBhvr>
+                                        <p:cTn id="83" dur="166" decel="50000">
+                                          <p:stCondLst>
+                                            <p:cond delay="676"/>
+                                          </p:stCondLst>
+                                        </p:cTn>
+                                        <p:tgtEl>
+                                          <p:spTgt spid="2054"/>
+                                        </p:tgtEl>
+                                      </p:cBhvr>
+                                      <p:to x="100000" y="100000"/>
+                                    </p:animScale>
+                                    <p:animScale>
+                                      <p:cBhvr>
+                                        <p:cTn id="84" dur="26">
+                                          <p:stCondLst>
+                                            <p:cond delay="1312"/>
+                                          </p:stCondLst>
+                                        </p:cTn>
+                                        <p:tgtEl>
+                                          <p:spTgt spid="2054"/>
+                                        </p:tgtEl>
+                                      </p:cBhvr>
+                                      <p:to x="100000" y="80000"/>
+                                    </p:animScale>
+                                    <p:animScale>
+                                      <p:cBhvr>
+                                        <p:cTn id="85" dur="166" decel="50000">
+                                          <p:stCondLst>
+                                            <p:cond delay="1338"/>
+                                          </p:stCondLst>
+                                        </p:cTn>
+                                        <p:tgtEl>
+                                          <p:spTgt spid="2054"/>
+                                        </p:tgtEl>
+                                      </p:cBhvr>
+                                      <p:to x="100000" y="100000"/>
+                                    </p:animScale>
+                                    <p:animScale>
+                                      <p:cBhvr>
+                                        <p:cTn id="86" dur="26">
+                                          <p:stCondLst>
+                                            <p:cond delay="1642"/>
+                                          </p:stCondLst>
+                                        </p:cTn>
+                                        <p:tgtEl>
+                                          <p:spTgt spid="2054"/>
+                                        </p:tgtEl>
+                                      </p:cBhvr>
+                                      <p:to x="100000" y="90000"/>
+                                    </p:animScale>
+                                    <p:animScale>
+                                      <p:cBhvr>
+                                        <p:cTn id="87" dur="166" decel="50000">
+                                          <p:stCondLst>
+                                            <p:cond delay="1668"/>
+                                          </p:stCondLst>
+                                        </p:cTn>
+                                        <p:tgtEl>
+                                          <p:spTgt spid="2054"/>
+                                        </p:tgtEl>
+                                      </p:cBhvr>
+                                      <p:to x="100000" y="100000"/>
+                                    </p:animScale>
+                                    <p:animScale>
+                                      <p:cBhvr>
+                                        <p:cTn id="88" dur="26">
+                                          <p:stCondLst>
+                                            <p:cond delay="1808"/>
+                                          </p:stCondLst>
+                                        </p:cTn>
+                                        <p:tgtEl>
+                                          <p:spTgt spid="2054"/>
+                                        </p:tgtEl>
+                                      </p:cBhvr>
+                                      <p:to x="100000" y="95000"/>
+                                    </p:animScale>
+                                    <p:animScale>
+                                      <p:cBhvr>
+                                        <p:cTn id="89" dur="166" decel="50000">
+                                          <p:stCondLst>
+                                            <p:cond delay="1834"/>
+                                          </p:stCondLst>
+                                        </p:cTn>
+                                        <p:tgtEl>
+                                          <p:spTgt spid="2054"/>
+                                        </p:tgtEl>
+                                      </p:cBhvr>
+                                      <p:to x="100000" y="100000"/>
+                                    </p:animScale>
                                   </p:childTnLst>
                                 </p:cTn>
                               </p:par>
@@ -6150,6 +7512,19 @@
         </p:cTn>
       </p:par>
     </p:tnLst>
+    <p:bldLst>
+      <p:bldP spid="8" grpId="0" animBg="1"/>
+      <p:bldP spid="9" grpId="0" animBg="1"/>
+      <p:bldP spid="10" grpId="0" animBg="1"/>
+      <p:bldP spid="18" grpId="0" animBg="1"/>
+      <p:bldP spid="19" grpId="0" animBg="1"/>
+      <p:bldP spid="20" grpId="0" animBg="1"/>
+      <p:bldP spid="21" grpId="0" animBg="1"/>
+      <p:bldP spid="16" grpId="0"/>
+      <p:bldP spid="26" grpId="0"/>
+      <p:bldP spid="27" grpId="0"/>
+      <p:bldP spid="31" grpId="0"/>
+    </p:bldLst>
   </p:timing>
 </p:sld>
 </file>
@@ -6234,7 +7609,7 @@
         </p:nvSpPr>
         <p:spPr>
           <a:xfrm>
-            <a:off x="3277281" y="0"/>
+            <a:off x="4143043" y="-147858"/>
             <a:ext cx="5196159" cy="1282707"/>
           </a:xfrm>
           <a:effectLst>
@@ -6278,74 +7653,6 @@
               <a:latin typeface="微軟正黑體" panose="020B0604030504040204" pitchFamily="34" charset="-120"/>
               <a:ea typeface="微軟正黑體" panose="020B0604030504040204" pitchFamily="34" charset="-120"/>
             </a:endParaRPr>
-          </a:p>
-        </p:txBody>
-      </p:sp>
-      <p:sp>
-        <p:nvSpPr>
-          <p:cNvPr id="3" name="副標題 2">
-            <a:extLst>
-              <a:ext uri="{FF2B5EF4-FFF2-40B4-BE49-F238E27FC236}">
-                <a16:creationId xmlns:a16="http://schemas.microsoft.com/office/drawing/2014/main" id="{2F4E5D02-081C-F58E-D723-A9A41E5AD64F}"/>
-              </a:ext>
-            </a:extLst>
-          </p:cNvPr>
-          <p:cNvSpPr>
-            <a:spLocks noGrp="1"/>
-          </p:cNvSpPr>
-          <p:nvPr>
-            <p:ph type="subTitle" idx="1"/>
-          </p:nvPr>
-        </p:nvSpPr>
-        <p:spPr>
-          <a:xfrm>
-            <a:off x="1351280" y="1305574"/>
-            <a:ext cx="9654879" cy="1282707"/>
-          </a:xfrm>
-          <a:effectLst>
-            <a:outerShdw blurRad="50800" dist="38100" dir="2700000" algn="tl" rotWithShape="0">
-              <a:prstClr val="black">
-                <a:alpha val="40000"/>
-              </a:prstClr>
-            </a:outerShdw>
-          </a:effectLst>
-        </p:spPr>
-        <p:txBody>
-          <a:bodyPr>
-            <a:normAutofit fontScale="92500" lnSpcReduction="10000"/>
-          </a:bodyPr>
-          <a:lstStyle/>
-          <a:p>
-            <a:r>
-              <a:rPr lang="zh-TW" altLang="en-US" sz="4800" dirty="0">
-                <a:solidFill>
-                  <a:srgbClr val="FFFFFF"/>
-                </a:solidFill>
-                <a:latin typeface="微軟正黑體" panose="020B0604030504040204" pitchFamily="34" charset="-120"/>
-                <a:ea typeface="微軟正黑體" panose="020B0604030504040204" pitchFamily="34" charset="-120"/>
-              </a:rPr>
-              <a:t>沒有任何的輸入，請依照給的樣式，依序完成，並形成</a:t>
-            </a:r>
-            <a:r>
-              <a:rPr lang="en-US" altLang="zh-TW" sz="4800" dirty="0">
-                <a:solidFill>
-                  <a:srgbClr val="FFFFFF"/>
-                </a:solidFill>
-                <a:latin typeface="微軟正黑體" panose="020B0604030504040204" pitchFamily="34" charset="-120"/>
-                <a:ea typeface="微軟正黑體" panose="020B0604030504040204" pitchFamily="34" charset="-120"/>
-              </a:rPr>
-              <a:t>10</a:t>
-            </a:r>
-            <a:r>
-              <a:rPr lang="zh-TW" altLang="en-US" sz="4800" dirty="0">
-                <a:solidFill>
-                  <a:srgbClr val="FFFFFF"/>
-                </a:solidFill>
-                <a:latin typeface="微軟正黑體" panose="020B0604030504040204" pitchFamily="34" charset="-120"/>
-                <a:ea typeface="微軟正黑體" panose="020B0604030504040204" pitchFamily="34" charset="-120"/>
-              </a:rPr>
-              <a:t>個高度的三角形</a:t>
-            </a:r>
           </a:p>
         </p:txBody>
       </p:sp>
@@ -7032,6 +8339,89 @@
               <a:latin typeface="微軟正黑體" panose="020B0604030504040204" pitchFamily="34" charset="-120"/>
               <a:ea typeface="微軟正黑體" panose="020B0604030504040204" pitchFamily="34" charset="-120"/>
             </a:endParaRPr>
+          </a:p>
+        </p:txBody>
+      </p:sp>
+      <p:sp>
+        <p:nvSpPr>
+          <p:cNvPr id="7" name="文字方塊 6">
+            <a:extLst>
+              <a:ext uri="{FF2B5EF4-FFF2-40B4-BE49-F238E27FC236}">
+                <a16:creationId xmlns:a16="http://schemas.microsoft.com/office/drawing/2014/main" id="{FC5AD6AB-421B-56D7-F047-850CEA3C43B4}"/>
+              </a:ext>
+            </a:extLst>
+          </p:cNvPr>
+          <p:cNvSpPr txBox="1"/>
+          <p:nvPr/>
+        </p:nvSpPr>
+        <p:spPr>
+          <a:xfrm>
+            <a:off x="1432560" y="1099705"/>
+            <a:ext cx="11369039" cy="1723549"/>
+          </a:xfrm>
+          <a:prstGeom prst="rect">
+            <a:avLst/>
+          </a:prstGeom>
+          <a:noFill/>
+        </p:spPr>
+        <p:txBody>
+          <a:bodyPr wrap="square" rtlCol="0">
+            <a:spAutoFit/>
+          </a:bodyPr>
+          <a:lstStyle/>
+          <a:p>
+            <a:r>
+              <a:rPr lang="zh-TW" altLang="en-US" sz="4400" dirty="0">
+                <a:solidFill>
+                  <a:srgbClr val="FFFFFF"/>
+                </a:solidFill>
+                <a:latin typeface="微軟正黑體" panose="020B0604030504040204" pitchFamily="34" charset="-120"/>
+                <a:ea typeface="微軟正黑體" panose="020B0604030504040204" pitchFamily="34" charset="-120"/>
+              </a:rPr>
+              <a:t>沒有任何的輸入，請依照給的樣式，</a:t>
+            </a:r>
+            <a:endParaRPr lang="en-US" altLang="zh-TW" sz="4400" dirty="0">
+              <a:solidFill>
+                <a:srgbClr val="FFFFFF"/>
+              </a:solidFill>
+              <a:latin typeface="微軟正黑體" panose="020B0604030504040204" pitchFamily="34" charset="-120"/>
+              <a:ea typeface="微軟正黑體" panose="020B0604030504040204" pitchFamily="34" charset="-120"/>
+            </a:endParaRPr>
+          </a:p>
+          <a:p>
+            <a:r>
+              <a:rPr lang="zh-TW" altLang="en-US" sz="4400" dirty="0">
+                <a:solidFill>
+                  <a:srgbClr val="FFFFFF"/>
+                </a:solidFill>
+                <a:latin typeface="微軟正黑體" panose="020B0604030504040204" pitchFamily="34" charset="-120"/>
+                <a:ea typeface="微軟正黑體" panose="020B0604030504040204" pitchFamily="34" charset="-120"/>
+              </a:rPr>
+              <a:t>依序完成，並形成</a:t>
+            </a:r>
+            <a:r>
+              <a:rPr lang="en-US" altLang="zh-TW" sz="4400" dirty="0">
+                <a:solidFill>
+                  <a:srgbClr val="FFFFFF"/>
+                </a:solidFill>
+                <a:latin typeface="微軟正黑體" panose="020B0604030504040204" pitchFamily="34" charset="-120"/>
+                <a:ea typeface="微軟正黑體" panose="020B0604030504040204" pitchFamily="34" charset="-120"/>
+              </a:rPr>
+              <a:t>10</a:t>
+            </a:r>
+            <a:r>
+              <a:rPr lang="zh-TW" altLang="en-US" sz="4400" dirty="0">
+                <a:solidFill>
+                  <a:srgbClr val="FFFFFF"/>
+                </a:solidFill>
+                <a:latin typeface="微軟正黑體" panose="020B0604030504040204" pitchFamily="34" charset="-120"/>
+                <a:ea typeface="微軟正黑體" panose="020B0604030504040204" pitchFamily="34" charset="-120"/>
+              </a:rPr>
+              <a:t>個高度的三角形</a:t>
+            </a:r>
+          </a:p>
+          <a:p>
+            <a:endParaRPr lang="zh-TW" altLang="en-US" dirty="0"/>
           </a:p>
         </p:txBody>
       </p:sp>
@@ -7078,28 +8468,603 @@
                             </p:stCondLst>
                             <p:childTnLst>
                               <p:par>
-                                <p:cTn id="5" presetID="26" presetClass="emph" presetSubtype="0" fill="hold" grpId="0" nodeType="clickEffect">
+                                <p:cTn id="5" presetID="10" presetClass="entr" presetSubtype="0" fill="hold" grpId="0" nodeType="clickEffect">
                                   <p:stCondLst>
                                     <p:cond delay="0"/>
                                   </p:stCondLst>
                                   <p:childTnLst>
-                                    <p:animEffect transition="out" filter="fade">
+                                    <p:set>
                                       <p:cBhvr>
-                                        <p:cTn id="6" dur="500" tmFilter="0, 0; .2, .5; .8, .5; 1, 0"/>
+                                        <p:cTn id="6" dur="1" fill="hold">
+                                          <p:stCondLst>
+                                            <p:cond delay="0"/>
+                                          </p:stCondLst>
+                                        </p:cTn>
+                                        <p:tgtEl>
+                                          <p:spTgt spid="2"/>
+                                        </p:tgtEl>
+                                        <p:attrNameLst>
+                                          <p:attrName>style.visibility</p:attrName>
+                                        </p:attrNameLst>
+                                      </p:cBhvr>
+                                      <p:to>
+                                        <p:strVal val="visible"/>
+                                      </p:to>
+                                    </p:set>
+                                    <p:animEffect transition="in" filter="fade">
+                                      <p:cBhvr>
+                                        <p:cTn id="7" dur="500"/>
+                                        <p:tgtEl>
+                                          <p:spTgt spid="2"/>
+                                        </p:tgtEl>
+                                      </p:cBhvr>
+                                    </p:animEffect>
+                                  </p:childTnLst>
+                                </p:cTn>
+                              </p:par>
+                            </p:childTnLst>
+                          </p:cTn>
+                        </p:par>
+                      </p:childTnLst>
+                    </p:cTn>
+                  </p:par>
+                  <p:par>
+                    <p:cTn id="8" fill="hold">
+                      <p:stCondLst>
+                        <p:cond delay="indefinite"/>
+                      </p:stCondLst>
+                      <p:childTnLst>
+                        <p:par>
+                          <p:cTn id="9" fill="hold">
+                            <p:stCondLst>
+                              <p:cond delay="0"/>
+                            </p:stCondLst>
+                            <p:childTnLst>
+                              <p:par>
+                                <p:cTn id="10" presetID="10" presetClass="entr" presetSubtype="0" fill="hold" grpId="0" nodeType="clickEffect">
+                                  <p:stCondLst>
+                                    <p:cond delay="0"/>
+                                  </p:stCondLst>
+                                  <p:childTnLst>
+                                    <p:set>
+                                      <p:cBhvr>
+                                        <p:cTn id="11" dur="1" fill="hold">
+                                          <p:stCondLst>
+                                            <p:cond delay="0"/>
+                                          </p:stCondLst>
+                                        </p:cTn>
+                                        <p:tgtEl>
+                                          <p:spTgt spid="7"/>
+                                        </p:tgtEl>
+                                        <p:attrNameLst>
+                                          <p:attrName>style.visibility</p:attrName>
+                                        </p:attrNameLst>
+                                      </p:cBhvr>
+                                      <p:to>
+                                        <p:strVal val="visible"/>
+                                      </p:to>
+                                    </p:set>
+                                    <p:animEffect transition="in" filter="fade">
+                                      <p:cBhvr>
+                                        <p:cTn id="12" dur="500"/>
+                                        <p:tgtEl>
+                                          <p:spTgt spid="7"/>
+                                        </p:tgtEl>
+                                      </p:cBhvr>
+                                    </p:animEffect>
+                                  </p:childTnLst>
+                                </p:cTn>
+                              </p:par>
+                            </p:childTnLst>
+                          </p:cTn>
+                        </p:par>
+                      </p:childTnLst>
+                    </p:cTn>
+                  </p:par>
+                  <p:par>
+                    <p:cTn id="13" fill="hold">
+                      <p:stCondLst>
+                        <p:cond delay="indefinite"/>
+                      </p:stCondLst>
+                      <p:childTnLst>
+                        <p:par>
+                          <p:cTn id="14" fill="hold">
+                            <p:stCondLst>
+                              <p:cond delay="0"/>
+                            </p:stCondLst>
+                            <p:childTnLst>
+                              <p:par>
+                                <p:cTn id="15" presetID="14" presetClass="entr" presetSubtype="10" fill="hold" nodeType="clickEffect">
+                                  <p:stCondLst>
+                                    <p:cond delay="0"/>
+                                  </p:stCondLst>
+                                  <p:childTnLst>
+                                    <p:set>
+                                      <p:cBhvr>
+                                        <p:cTn id="16" dur="1" fill="hold">
+                                          <p:stCondLst>
+                                            <p:cond delay="0"/>
+                                          </p:stCondLst>
+                                        </p:cTn>
+                                        <p:tgtEl>
+                                          <p:spTgt spid="23"/>
+                                        </p:tgtEl>
+                                        <p:attrNameLst>
+                                          <p:attrName>style.visibility</p:attrName>
+                                        </p:attrNameLst>
+                                      </p:cBhvr>
+                                      <p:to>
+                                        <p:strVal val="visible"/>
+                                      </p:to>
+                                    </p:set>
+                                    <p:animEffect transition="in" filter="randombar(horizontal)">
+                                      <p:cBhvr>
+                                        <p:cTn id="17" dur="500"/>
+                                        <p:tgtEl>
+                                          <p:spTgt spid="23"/>
+                                        </p:tgtEl>
+                                      </p:cBhvr>
+                                    </p:animEffect>
+                                  </p:childTnLst>
+                                </p:cTn>
+                              </p:par>
+                              <p:par>
+                                <p:cTn id="18" presetID="14" presetClass="entr" presetSubtype="10" fill="hold" nodeType="withEffect">
+                                  <p:stCondLst>
+                                    <p:cond delay="0"/>
+                                  </p:stCondLst>
+                                  <p:childTnLst>
+                                    <p:set>
+                                      <p:cBhvr>
+                                        <p:cTn id="19" dur="1" fill="hold">
+                                          <p:stCondLst>
+                                            <p:cond delay="0"/>
+                                          </p:stCondLst>
+                                        </p:cTn>
+                                        <p:tgtEl>
+                                          <p:spTgt spid="6"/>
+                                        </p:tgtEl>
+                                        <p:attrNameLst>
+                                          <p:attrName>style.visibility</p:attrName>
+                                        </p:attrNameLst>
+                                      </p:cBhvr>
+                                      <p:to>
+                                        <p:strVal val="visible"/>
+                                      </p:to>
+                                    </p:set>
+                                    <p:animEffect transition="in" filter="randombar(horizontal)">
+                                      <p:cBhvr>
+                                        <p:cTn id="20" dur="500"/>
+                                        <p:tgtEl>
+                                          <p:spTgt spid="6"/>
+                                        </p:tgtEl>
+                                      </p:cBhvr>
+                                    </p:animEffect>
+                                  </p:childTnLst>
+                                </p:cTn>
+                              </p:par>
+                              <p:par>
+                                <p:cTn id="21" presetID="14" presetClass="entr" presetSubtype="10" fill="hold" grpId="0" nodeType="withEffect">
+                                  <p:stCondLst>
+                                    <p:cond delay="0"/>
+                                  </p:stCondLst>
+                                  <p:childTnLst>
+                                    <p:set>
+                                      <p:cBhvr>
+                                        <p:cTn id="22" dur="1" fill="hold">
+                                          <p:stCondLst>
+                                            <p:cond delay="0"/>
+                                          </p:stCondLst>
+                                        </p:cTn>
+                                        <p:tgtEl>
+                                          <p:spTgt spid="4"/>
+                                        </p:tgtEl>
+                                        <p:attrNameLst>
+                                          <p:attrName>style.visibility</p:attrName>
+                                        </p:attrNameLst>
+                                      </p:cBhvr>
+                                      <p:to>
+                                        <p:strVal val="visible"/>
+                                      </p:to>
+                                    </p:set>
+                                    <p:animEffect transition="in" filter="randombar(horizontal)">
+                                      <p:cBhvr>
+                                        <p:cTn id="23" dur="500"/>
+                                        <p:tgtEl>
+                                          <p:spTgt spid="4"/>
+                                        </p:tgtEl>
+                                      </p:cBhvr>
+                                    </p:animEffect>
+                                  </p:childTnLst>
+                                </p:cTn>
+                              </p:par>
+                              <p:par>
+                                <p:cTn id="24" presetID="14" presetClass="entr" presetSubtype="10" fill="hold" nodeType="withEffect">
+                                  <p:stCondLst>
+                                    <p:cond delay="0"/>
+                                  </p:stCondLst>
+                                  <p:childTnLst>
+                                    <p:set>
+                                      <p:cBhvr>
+                                        <p:cTn id="25" dur="1" fill="hold">
+                                          <p:stCondLst>
+                                            <p:cond delay="0"/>
+                                          </p:stCondLst>
+                                        </p:cTn>
+                                        <p:tgtEl>
+                                          <p:spTgt spid="18"/>
+                                        </p:tgtEl>
+                                        <p:attrNameLst>
+                                          <p:attrName>style.visibility</p:attrName>
+                                        </p:attrNameLst>
+                                      </p:cBhvr>
+                                      <p:to>
+                                        <p:strVal val="visible"/>
+                                      </p:to>
+                                    </p:set>
+                                    <p:animEffect transition="in" filter="randombar(horizontal)">
+                                      <p:cBhvr>
+                                        <p:cTn id="26" dur="500"/>
+                                        <p:tgtEl>
+                                          <p:spTgt spid="18"/>
+                                        </p:tgtEl>
+                                      </p:cBhvr>
+                                    </p:animEffect>
+                                  </p:childTnLst>
+                                </p:cTn>
+                              </p:par>
+                              <p:par>
+                                <p:cTn id="27" presetID="14" presetClass="entr" presetSubtype="10" fill="hold" nodeType="withEffect">
+                                  <p:stCondLst>
+                                    <p:cond delay="0"/>
+                                  </p:stCondLst>
+                                  <p:childTnLst>
+                                    <p:set>
+                                      <p:cBhvr>
+                                        <p:cTn id="28" dur="1" fill="hold">
+                                          <p:stCondLst>
+                                            <p:cond delay="0"/>
+                                          </p:stCondLst>
+                                        </p:cTn>
+                                        <p:tgtEl>
+                                          <p:spTgt spid="22"/>
+                                        </p:tgtEl>
+                                        <p:attrNameLst>
+                                          <p:attrName>style.visibility</p:attrName>
+                                        </p:attrNameLst>
+                                      </p:cBhvr>
+                                      <p:to>
+                                        <p:strVal val="visible"/>
+                                      </p:to>
+                                    </p:set>
+                                    <p:animEffect transition="in" filter="randombar(horizontal)">
+                                      <p:cBhvr>
+                                        <p:cTn id="29" dur="500"/>
+                                        <p:tgtEl>
+                                          <p:spTgt spid="22"/>
+                                        </p:tgtEl>
+                                      </p:cBhvr>
+                                    </p:animEffect>
+                                  </p:childTnLst>
+                                </p:cTn>
+                              </p:par>
+                              <p:par>
+                                <p:cTn id="30" presetID="14" presetClass="entr" presetSubtype="10" fill="hold" nodeType="withEffect">
+                                  <p:stCondLst>
+                                    <p:cond delay="0"/>
+                                  </p:stCondLst>
+                                  <p:childTnLst>
+                                    <p:set>
+                                      <p:cBhvr>
+                                        <p:cTn id="31" dur="1" fill="hold">
+                                          <p:stCondLst>
+                                            <p:cond delay="0"/>
+                                          </p:stCondLst>
+                                        </p:cTn>
+                                        <p:tgtEl>
+                                          <p:spTgt spid="26"/>
+                                        </p:tgtEl>
+                                        <p:attrNameLst>
+                                          <p:attrName>style.visibility</p:attrName>
+                                        </p:attrNameLst>
+                                      </p:cBhvr>
+                                      <p:to>
+                                        <p:strVal val="visible"/>
+                                      </p:to>
+                                    </p:set>
+                                    <p:animEffect transition="in" filter="randombar(horizontal)">
+                                      <p:cBhvr>
+                                        <p:cTn id="32" dur="500"/>
+                                        <p:tgtEl>
+                                          <p:spTgt spid="26"/>
+                                        </p:tgtEl>
+                                      </p:cBhvr>
+                                    </p:animEffect>
+                                  </p:childTnLst>
+                                </p:cTn>
+                              </p:par>
+                              <p:par>
+                                <p:cTn id="33" presetID="14" presetClass="entr" presetSubtype="10" fill="hold" nodeType="withEffect">
+                                  <p:stCondLst>
+                                    <p:cond delay="0"/>
+                                  </p:stCondLst>
+                                  <p:childTnLst>
+                                    <p:set>
+                                      <p:cBhvr>
+                                        <p:cTn id="34" dur="1" fill="hold">
+                                          <p:stCondLst>
+                                            <p:cond delay="0"/>
+                                          </p:stCondLst>
+                                        </p:cTn>
+                                        <p:tgtEl>
+                                          <p:spTgt spid="17"/>
+                                        </p:tgtEl>
+                                        <p:attrNameLst>
+                                          <p:attrName>style.visibility</p:attrName>
+                                        </p:attrNameLst>
+                                      </p:cBhvr>
+                                      <p:to>
+                                        <p:strVal val="visible"/>
+                                      </p:to>
+                                    </p:set>
+                                    <p:animEffect transition="in" filter="randombar(horizontal)">
+                                      <p:cBhvr>
+                                        <p:cTn id="35" dur="500"/>
+                                        <p:tgtEl>
+                                          <p:spTgt spid="17"/>
+                                        </p:tgtEl>
+                                      </p:cBhvr>
+                                    </p:animEffect>
+                                  </p:childTnLst>
+                                </p:cTn>
+                              </p:par>
+                              <p:par>
+                                <p:cTn id="36" presetID="14" presetClass="entr" presetSubtype="10" fill="hold" grpId="0" nodeType="withEffect">
+                                  <p:stCondLst>
+                                    <p:cond delay="0"/>
+                                  </p:stCondLst>
+                                  <p:childTnLst>
+                                    <p:set>
+                                      <p:cBhvr>
+                                        <p:cTn id="37" dur="1" fill="hold">
+                                          <p:stCondLst>
+                                            <p:cond delay="0"/>
+                                          </p:stCondLst>
+                                        </p:cTn>
+                                        <p:tgtEl>
+                                          <p:spTgt spid="32"/>
+                                        </p:tgtEl>
+                                        <p:attrNameLst>
+                                          <p:attrName>style.visibility</p:attrName>
+                                        </p:attrNameLst>
+                                      </p:cBhvr>
+                                      <p:to>
+                                        <p:strVal val="visible"/>
+                                      </p:to>
+                                    </p:set>
+                                    <p:animEffect transition="in" filter="randombar(horizontal)">
+                                      <p:cBhvr>
+                                        <p:cTn id="38" dur="500"/>
+                                        <p:tgtEl>
+                                          <p:spTgt spid="32"/>
+                                        </p:tgtEl>
+                                      </p:cBhvr>
+                                    </p:animEffect>
+                                  </p:childTnLst>
+                                </p:cTn>
+                              </p:par>
+                              <p:par>
+                                <p:cTn id="39" presetID="14" presetClass="entr" presetSubtype="10" fill="hold" grpId="0" nodeType="withEffect">
+                                  <p:stCondLst>
+                                    <p:cond delay="0"/>
+                                  </p:stCondLst>
+                                  <p:childTnLst>
+                                    <p:set>
+                                      <p:cBhvr>
+                                        <p:cTn id="40" dur="1" fill="hold">
+                                          <p:stCondLst>
+                                            <p:cond delay="0"/>
+                                          </p:stCondLst>
+                                        </p:cTn>
+                                        <p:tgtEl>
+                                          <p:spTgt spid="28"/>
+                                        </p:tgtEl>
+                                        <p:attrNameLst>
+                                          <p:attrName>style.visibility</p:attrName>
+                                        </p:attrNameLst>
+                                      </p:cBhvr>
+                                      <p:to>
+                                        <p:strVal val="visible"/>
+                                      </p:to>
+                                    </p:set>
+                                    <p:animEffect transition="in" filter="randombar(horizontal)">
+                                      <p:cBhvr>
+                                        <p:cTn id="41" dur="500"/>
+                                        <p:tgtEl>
+                                          <p:spTgt spid="28"/>
+                                        </p:tgtEl>
+                                      </p:cBhvr>
+                                    </p:animEffect>
+                                  </p:childTnLst>
+                                </p:cTn>
+                              </p:par>
+                            </p:childTnLst>
+                          </p:cTn>
+                        </p:par>
+                      </p:childTnLst>
+                    </p:cTn>
+                  </p:par>
+                  <p:par>
+                    <p:cTn id="42" fill="hold">
+                      <p:stCondLst>
+                        <p:cond delay="indefinite"/>
+                      </p:stCondLst>
+                      <p:childTnLst>
+                        <p:par>
+                          <p:cTn id="43" fill="hold">
+                            <p:stCondLst>
+                              <p:cond delay="0"/>
+                            </p:stCondLst>
+                            <p:childTnLst>
+                              <p:par>
+                                <p:cTn id="44" presetID="53" presetClass="entr" presetSubtype="16" fill="hold" grpId="0" nodeType="clickEffect">
+                                  <p:stCondLst>
+                                    <p:cond delay="0"/>
+                                  </p:stCondLst>
+                                  <p:childTnLst>
+                                    <p:set>
+                                      <p:cBhvr>
+                                        <p:cTn id="45" dur="1" fill="hold">
+                                          <p:stCondLst>
+                                            <p:cond delay="0"/>
+                                          </p:stCondLst>
+                                        </p:cTn>
+                                        <p:tgtEl>
+                                          <p:spTgt spid="25"/>
+                                        </p:tgtEl>
+                                        <p:attrNameLst>
+                                          <p:attrName>style.visibility</p:attrName>
+                                        </p:attrNameLst>
+                                      </p:cBhvr>
+                                      <p:to>
+                                        <p:strVal val="visible"/>
+                                      </p:to>
+                                    </p:set>
+                                    <p:anim calcmode="lin" valueType="num">
+                                      <p:cBhvr>
+                                        <p:cTn id="46" dur="500" fill="hold"/>
+                                        <p:tgtEl>
+                                          <p:spTgt spid="25"/>
+                                        </p:tgtEl>
+                                        <p:attrNameLst>
+                                          <p:attrName>ppt_w</p:attrName>
+                                        </p:attrNameLst>
+                                      </p:cBhvr>
+                                      <p:tavLst>
+                                        <p:tav tm="0">
+                                          <p:val>
+                                            <p:fltVal val="0"/>
+                                          </p:val>
+                                        </p:tav>
+                                        <p:tav tm="100000">
+                                          <p:val>
+                                            <p:strVal val="#ppt_w"/>
+                                          </p:val>
+                                        </p:tav>
+                                      </p:tavLst>
+                                    </p:anim>
+                                    <p:anim calcmode="lin" valueType="num">
+                                      <p:cBhvr>
+                                        <p:cTn id="47" dur="500" fill="hold"/>
+                                        <p:tgtEl>
+                                          <p:spTgt spid="25"/>
+                                        </p:tgtEl>
+                                        <p:attrNameLst>
+                                          <p:attrName>ppt_h</p:attrName>
+                                        </p:attrNameLst>
+                                      </p:cBhvr>
+                                      <p:tavLst>
+                                        <p:tav tm="0">
+                                          <p:val>
+                                            <p:fltVal val="0"/>
+                                          </p:val>
+                                        </p:tav>
+                                        <p:tav tm="100000">
+                                          <p:val>
+                                            <p:strVal val="#ppt_h"/>
+                                          </p:val>
+                                        </p:tav>
+                                      </p:tavLst>
+                                    </p:anim>
+                                    <p:animEffect transition="in" filter="fade">
+                                      <p:cBhvr>
+                                        <p:cTn id="48" dur="500"/>
                                         <p:tgtEl>
                                           <p:spTgt spid="25"/>
                                         </p:tgtEl>
                                       </p:cBhvr>
                                     </p:animEffect>
-                                    <p:animScale>
+                                  </p:childTnLst>
+                                </p:cTn>
+                              </p:par>
+                              <p:par>
+                                <p:cTn id="49" presetID="53" presetClass="entr" presetSubtype="16" fill="hold" grpId="0" nodeType="withEffect">
+                                  <p:stCondLst>
+                                    <p:cond delay="0"/>
+                                  </p:stCondLst>
+                                  <p:childTnLst>
+                                    <p:set>
                                       <p:cBhvr>
-                                        <p:cTn id="7" dur="250" autoRev="1" fill="hold"/>
+                                        <p:cTn id="50" dur="1" fill="hold">
+                                          <p:stCondLst>
+                                            <p:cond delay="0"/>
+                                          </p:stCondLst>
+                                        </p:cTn>
                                         <p:tgtEl>
-                                          <p:spTgt spid="25"/>
+                                          <p:spTgt spid="27"/>
+                                        </p:tgtEl>
+                                        <p:attrNameLst>
+                                          <p:attrName>style.visibility</p:attrName>
+                                        </p:attrNameLst>
+                                      </p:cBhvr>
+                                      <p:to>
+                                        <p:strVal val="visible"/>
+                                      </p:to>
+                                    </p:set>
+                                    <p:anim calcmode="lin" valueType="num">
+                                      <p:cBhvr>
+                                        <p:cTn id="51" dur="500" fill="hold"/>
+                                        <p:tgtEl>
+                                          <p:spTgt spid="27"/>
+                                        </p:tgtEl>
+                                        <p:attrNameLst>
+                                          <p:attrName>ppt_w</p:attrName>
+                                        </p:attrNameLst>
+                                      </p:cBhvr>
+                                      <p:tavLst>
+                                        <p:tav tm="0">
+                                          <p:val>
+                                            <p:fltVal val="0"/>
+                                          </p:val>
+                                        </p:tav>
+                                        <p:tav tm="100000">
+                                          <p:val>
+                                            <p:strVal val="#ppt_w"/>
+                                          </p:val>
+                                        </p:tav>
+                                      </p:tavLst>
+                                    </p:anim>
+                                    <p:anim calcmode="lin" valueType="num">
+                                      <p:cBhvr>
+                                        <p:cTn id="52" dur="500" fill="hold"/>
+                                        <p:tgtEl>
+                                          <p:spTgt spid="27"/>
+                                        </p:tgtEl>
+                                        <p:attrNameLst>
+                                          <p:attrName>ppt_h</p:attrName>
+                                        </p:attrNameLst>
+                                      </p:cBhvr>
+                                      <p:tavLst>
+                                        <p:tav tm="0">
+                                          <p:val>
+                                            <p:fltVal val="0"/>
+                                          </p:val>
+                                        </p:tav>
+                                        <p:tav tm="100000">
+                                          <p:val>
+                                            <p:strVal val="#ppt_h"/>
+                                          </p:val>
+                                        </p:tav>
+                                      </p:tavLst>
+                                    </p:anim>
+                                    <p:animEffect transition="in" filter="fade">
+                                      <p:cBhvr>
+                                        <p:cTn id="53" dur="500"/>
+                                        <p:tgtEl>
+                                          <p:spTgt spid="27"/>
                                         </p:tgtEl>
                                       </p:cBhvr>
-                                      <p:by x="105000" y="105000"/>
-                                    </p:animScale>
+                                    </p:animEffect>
                                   </p:childTnLst>
                                 </p:cTn>
                               </p:par>
@@ -7131,7 +9096,13 @@
       </p:par>
     </p:tnLst>
     <p:bldLst>
+      <p:bldP spid="2" grpId="0"/>
+      <p:bldP spid="4" grpId="0"/>
       <p:bldP spid="25" grpId="0" animBg="1"/>
+      <p:bldP spid="27" grpId="0"/>
+      <p:bldP spid="28" grpId="0"/>
+      <p:bldP spid="32" grpId="0"/>
+      <p:bldP spid="7" grpId="0"/>
     </p:bldLst>
   </p:timing>
 </p:sld>
@@ -7731,166 +9702,6 @@
           </a:extLst>
         </p:spPr>
       </p:pic>
-      <p:sp>
-        <p:nvSpPr>
-          <p:cNvPr id="3" name="副標題 2">
-            <a:extLst>
-              <a:ext uri="{FF2B5EF4-FFF2-40B4-BE49-F238E27FC236}">
-                <a16:creationId xmlns:a16="http://schemas.microsoft.com/office/drawing/2014/main" id="{2F4E5D02-081C-F58E-D723-A9A41E5AD64F}"/>
-              </a:ext>
-            </a:extLst>
-          </p:cNvPr>
-          <p:cNvSpPr>
-            <a:spLocks noGrp="1"/>
-          </p:cNvSpPr>
-          <p:nvPr>
-            <p:ph type="subTitle" idx="1"/>
-          </p:nvPr>
-        </p:nvSpPr>
-        <p:spPr>
-          <a:xfrm>
-            <a:off x="1345845" y="4566802"/>
-            <a:ext cx="9941617" cy="1920195"/>
-          </a:xfrm>
-          <a:effectLst>
-            <a:outerShdw blurRad="50800" dist="38100" dir="2700000" algn="tl" rotWithShape="0">
-              <a:prstClr val="black">
-                <a:alpha val="40000"/>
-              </a:prstClr>
-            </a:outerShdw>
-          </a:effectLst>
-        </p:spPr>
-        <p:txBody>
-          <a:bodyPr>
-            <a:normAutofit fontScale="92500" lnSpcReduction="10000"/>
-          </a:bodyPr>
-          <a:lstStyle/>
-          <a:p>
-            <a:r>
-              <a:rPr lang="zh-TW" altLang="en-US" sz="4400" dirty="0">
-                <a:solidFill>
-                  <a:srgbClr val="FF0000"/>
-                </a:solidFill>
-                <a:latin typeface="微軟正黑體" panose="020B0604030504040204" pitchFamily="34" charset="-120"/>
-                <a:ea typeface="微軟正黑體" panose="020B0604030504040204" pitchFamily="34" charset="-120"/>
-              </a:rPr>
-              <a:t>家門牌號</a:t>
-            </a:r>
-            <a:r>
-              <a:rPr lang="en-US" altLang="zh-TW" sz="4400" dirty="0">
-                <a:solidFill>
-                  <a:srgbClr val="FF0000"/>
-                </a:solidFill>
-                <a:latin typeface="微軟正黑體" panose="020B0604030504040204" pitchFamily="34" charset="-120"/>
-                <a:ea typeface="微軟正黑體" panose="020B0604030504040204" pitchFamily="34" charset="-120"/>
-              </a:rPr>
-              <a:t>(pick)</a:t>
-            </a:r>
-            <a:r>
-              <a:rPr lang="zh-TW" altLang="en-US" sz="4400" dirty="0">
-                <a:solidFill>
-                  <a:srgbClr val="FF0000"/>
-                </a:solidFill>
-                <a:latin typeface="微軟正黑體" panose="020B0604030504040204" pitchFamily="34" charset="-120"/>
-                <a:ea typeface="微軟正黑體" panose="020B0604030504040204" pitchFamily="34" charset="-120"/>
-              </a:rPr>
-              <a:t>公式推導</a:t>
-            </a:r>
-            <a:endParaRPr lang="en-US" altLang="zh-TW" sz="4400" dirty="0">
-              <a:solidFill>
-                <a:srgbClr val="FF0000"/>
-              </a:solidFill>
-              <a:latin typeface="微軟正黑體" panose="020B0604030504040204" pitchFamily="34" charset="-120"/>
-              <a:ea typeface="微軟正黑體" panose="020B0604030504040204" pitchFamily="34" charset="-120"/>
-            </a:endParaRPr>
-          </a:p>
-          <a:p>
-            <a:r>
-              <a:rPr lang="zh-TW" altLang="en-US" sz="4400" dirty="0">
-                <a:solidFill>
-                  <a:srgbClr val="FF0000"/>
-                </a:solidFill>
-                <a:latin typeface="微軟正黑體" panose="020B0604030504040204" pitchFamily="34" charset="-120"/>
-                <a:ea typeface="微軟正黑體" panose="020B0604030504040204" pitchFamily="34" charset="-120"/>
-              </a:rPr>
-              <a:t>開根號後跟原本的</a:t>
-            </a:r>
-            <a:r>
-              <a:rPr lang="en-US" altLang="zh-TW" sz="4400" dirty="0">
-                <a:solidFill>
-                  <a:srgbClr val="FF0000"/>
-                </a:solidFill>
-                <a:latin typeface="微軟正黑體" panose="020B0604030504040204" pitchFamily="34" charset="-120"/>
-                <a:ea typeface="微軟正黑體" panose="020B0604030504040204" pitchFamily="34" charset="-120"/>
-              </a:rPr>
-              <a:t>pick</a:t>
-            </a:r>
-            <a:r>
-              <a:rPr lang="zh-TW" altLang="en-US" sz="4400" dirty="0">
-                <a:solidFill>
-                  <a:srgbClr val="FF0000"/>
-                </a:solidFill>
-                <a:latin typeface="微軟正黑體" panose="020B0604030504040204" pitchFamily="34" charset="-120"/>
-                <a:ea typeface="微軟正黑體" panose="020B0604030504040204" pitchFamily="34" charset="-120"/>
-              </a:rPr>
-              <a:t>一樣即為答案</a:t>
-            </a:r>
-            <a:endParaRPr lang="en-US" altLang="zh-TW" sz="4400" dirty="0">
-              <a:solidFill>
-                <a:srgbClr val="FF0000"/>
-              </a:solidFill>
-              <a:latin typeface="微軟正黑體" panose="020B0604030504040204" pitchFamily="34" charset="-120"/>
-              <a:ea typeface="微軟正黑體" panose="020B0604030504040204" pitchFamily="34" charset="-120"/>
-            </a:endParaRPr>
-          </a:p>
-          <a:p>
-            <a:r>
-              <a:rPr lang="zh-TW" altLang="en-US" sz="4400" dirty="0">
-                <a:solidFill>
-                  <a:srgbClr val="FF0000"/>
-                </a:solidFill>
-                <a:latin typeface="微軟正黑體" panose="020B0604030504040204" pitchFamily="34" charset="-120"/>
-                <a:ea typeface="微軟正黑體" panose="020B0604030504040204" pitchFamily="34" charset="-120"/>
-              </a:rPr>
-              <a:t>窮舉所有</a:t>
-            </a:r>
-            <a:r>
-              <a:rPr lang="en-US" altLang="zh-TW" sz="4400" dirty="0">
-                <a:solidFill>
-                  <a:srgbClr val="FF0000"/>
-                </a:solidFill>
-                <a:latin typeface="微軟正黑體" panose="020B0604030504040204" pitchFamily="34" charset="-120"/>
-                <a:ea typeface="微軟正黑體" panose="020B0604030504040204" pitchFamily="34" charset="-120"/>
-              </a:rPr>
-              <a:t>n</a:t>
-            </a:r>
-            <a:r>
-              <a:rPr lang="zh-TW" altLang="en-US" sz="4400" dirty="0">
-                <a:solidFill>
-                  <a:srgbClr val="FF0000"/>
-                </a:solidFill>
-                <a:latin typeface="微軟正黑體" panose="020B0604030504040204" pitchFamily="34" charset="-120"/>
-                <a:ea typeface="微軟正黑體" panose="020B0604030504040204" pitchFamily="34" charset="-120"/>
-              </a:rPr>
-              <a:t>個房子狀況</a:t>
-            </a:r>
-            <a:endParaRPr lang="en-US" altLang="zh-TW" sz="4400" dirty="0">
-              <a:solidFill>
-                <a:srgbClr val="FF0000"/>
-              </a:solidFill>
-              <a:latin typeface="微軟正黑體" panose="020B0604030504040204" pitchFamily="34" charset="-120"/>
-              <a:ea typeface="微軟正黑體" panose="020B0604030504040204" pitchFamily="34" charset="-120"/>
-            </a:endParaRPr>
-          </a:p>
-          <a:p>
-            <a:endParaRPr lang="zh-TW" altLang="en-US" sz="4400" dirty="0">
-              <a:solidFill>
-                <a:srgbClr val="FFFFFF"/>
-              </a:solidFill>
-            </a:endParaRPr>
-          </a:p>
-        </p:txBody>
-      </p:sp>
       <p:pic>
         <p:nvPicPr>
           <p:cNvPr id="7" name="圖片 6">
@@ -7970,6 +9781,158 @@
           <a:p>
             <a:pPr algn="ctr"/>
             <a:endParaRPr lang="zh-TW" altLang="en-US"/>
+          </a:p>
+        </p:txBody>
+      </p:sp>
+      <p:sp>
+        <p:nvSpPr>
+          <p:cNvPr id="2" name="文字方塊 1">
+            <a:extLst>
+              <a:ext uri="{FF2B5EF4-FFF2-40B4-BE49-F238E27FC236}">
+                <a16:creationId xmlns:a16="http://schemas.microsoft.com/office/drawing/2014/main" id="{31E912FE-46D0-11E4-DFEF-BC17D7BFECCE}"/>
+              </a:ext>
+            </a:extLst>
+          </p:cNvPr>
+          <p:cNvSpPr txBox="1"/>
+          <p:nvPr/>
+        </p:nvSpPr>
+        <p:spPr>
+          <a:xfrm>
+            <a:off x="1347397" y="4677127"/>
+            <a:ext cx="10159002" cy="2031325"/>
+          </a:xfrm>
+          <a:prstGeom prst="rect">
+            <a:avLst/>
+          </a:prstGeom>
+          <a:noFill/>
+        </p:spPr>
+        <p:txBody>
+          <a:bodyPr wrap="square" rtlCol="0">
+            <a:spAutoFit/>
+          </a:bodyPr>
+          <a:lstStyle/>
+          <a:p>
+            <a:pPr algn="ctr"/>
+            <a:r>
+              <a:rPr lang="zh-TW" altLang="en-US" sz="3600" dirty="0">
+                <a:solidFill>
+                  <a:srgbClr val="FF0000"/>
+                </a:solidFill>
+                <a:latin typeface="微軟正黑體" panose="020B0604030504040204" pitchFamily="34" charset="-120"/>
+                <a:ea typeface="微軟正黑體" panose="020B0604030504040204" pitchFamily="34" charset="-120"/>
+              </a:rPr>
+              <a:t>家門牌號</a:t>
+            </a:r>
+            <a:r>
+              <a:rPr lang="en-US" altLang="zh-TW" sz="3600" dirty="0">
+                <a:solidFill>
+                  <a:srgbClr val="FF0000"/>
+                </a:solidFill>
+                <a:latin typeface="微軟正黑體" panose="020B0604030504040204" pitchFamily="34" charset="-120"/>
+                <a:ea typeface="微軟正黑體" panose="020B0604030504040204" pitchFamily="34" charset="-120"/>
+              </a:rPr>
+              <a:t>(pick)</a:t>
+            </a:r>
+            <a:r>
+              <a:rPr lang="zh-TW" altLang="en-US" sz="3600" dirty="0">
+                <a:solidFill>
+                  <a:srgbClr val="FF0000"/>
+                </a:solidFill>
+                <a:latin typeface="微軟正黑體" panose="020B0604030504040204" pitchFamily="34" charset="-120"/>
+                <a:ea typeface="微軟正黑體" panose="020B0604030504040204" pitchFamily="34" charset="-120"/>
+              </a:rPr>
+              <a:t>公式推導</a:t>
+            </a:r>
+            <a:endParaRPr lang="en-US" altLang="zh-TW" sz="3600" dirty="0">
+              <a:solidFill>
+                <a:srgbClr val="FF0000"/>
+              </a:solidFill>
+              <a:latin typeface="微軟正黑體" panose="020B0604030504040204" pitchFamily="34" charset="-120"/>
+              <a:ea typeface="微軟正黑體" panose="020B0604030504040204" pitchFamily="34" charset="-120"/>
+            </a:endParaRPr>
+          </a:p>
+          <a:p>
+            <a:pPr algn="ctr"/>
+            <a:r>
+              <a:rPr lang="zh-TW" altLang="en-US" sz="3600" dirty="0">
+                <a:solidFill>
+                  <a:srgbClr val="FF0000"/>
+                </a:solidFill>
+                <a:latin typeface="微軟正黑體" panose="020B0604030504040204" pitchFamily="34" charset="-120"/>
+                <a:ea typeface="微軟正黑體" panose="020B0604030504040204" pitchFamily="34" charset="-120"/>
+              </a:rPr>
+              <a:t>開根號後跟原本的</a:t>
+            </a:r>
+            <a:r>
+              <a:rPr lang="en-US" altLang="zh-TW" sz="3600" dirty="0">
+                <a:solidFill>
+                  <a:srgbClr val="FF0000"/>
+                </a:solidFill>
+                <a:latin typeface="微軟正黑體" panose="020B0604030504040204" pitchFamily="34" charset="-120"/>
+                <a:ea typeface="微軟正黑體" panose="020B0604030504040204" pitchFamily="34" charset="-120"/>
+              </a:rPr>
+              <a:t>pick</a:t>
+            </a:r>
+            <a:r>
+              <a:rPr lang="zh-TW" altLang="en-US" sz="3600" dirty="0">
+                <a:solidFill>
+                  <a:srgbClr val="FF0000"/>
+                </a:solidFill>
+                <a:latin typeface="微軟正黑體" panose="020B0604030504040204" pitchFamily="34" charset="-120"/>
+                <a:ea typeface="微軟正黑體" panose="020B0604030504040204" pitchFamily="34" charset="-120"/>
+              </a:rPr>
+              <a:t>一樣即為答案</a:t>
+            </a:r>
+            <a:endParaRPr lang="en-US" altLang="zh-TW" sz="3600" dirty="0">
+              <a:solidFill>
+                <a:srgbClr val="FF0000"/>
+              </a:solidFill>
+              <a:latin typeface="微軟正黑體" panose="020B0604030504040204" pitchFamily="34" charset="-120"/>
+              <a:ea typeface="微軟正黑體" panose="020B0604030504040204" pitchFamily="34" charset="-120"/>
+            </a:endParaRPr>
+          </a:p>
+          <a:p>
+            <a:pPr algn="ctr"/>
+            <a:r>
+              <a:rPr lang="zh-TW" altLang="en-US" sz="3600" dirty="0">
+                <a:solidFill>
+                  <a:srgbClr val="FF0000"/>
+                </a:solidFill>
+                <a:latin typeface="微軟正黑體" panose="020B0604030504040204" pitchFamily="34" charset="-120"/>
+                <a:ea typeface="微軟正黑體" panose="020B0604030504040204" pitchFamily="34" charset="-120"/>
+              </a:rPr>
+              <a:t>窮舉所有</a:t>
+            </a:r>
+            <a:r>
+              <a:rPr lang="en-US" altLang="zh-TW" sz="3600" dirty="0">
+                <a:solidFill>
+                  <a:srgbClr val="FF0000"/>
+                </a:solidFill>
+                <a:latin typeface="微軟正黑體" panose="020B0604030504040204" pitchFamily="34" charset="-120"/>
+                <a:ea typeface="微軟正黑體" panose="020B0604030504040204" pitchFamily="34" charset="-120"/>
+              </a:rPr>
+              <a:t>n</a:t>
+            </a:r>
+            <a:r>
+              <a:rPr lang="zh-TW" altLang="en-US" sz="3600" dirty="0">
+                <a:solidFill>
+                  <a:srgbClr val="FF0000"/>
+                </a:solidFill>
+                <a:latin typeface="微軟正黑體" panose="020B0604030504040204" pitchFamily="34" charset="-120"/>
+                <a:ea typeface="微軟正黑體" panose="020B0604030504040204" pitchFamily="34" charset="-120"/>
+              </a:rPr>
+              <a:t>個房子狀況</a:t>
+            </a:r>
+            <a:endParaRPr lang="en-US" altLang="zh-TW" sz="3600" dirty="0">
+              <a:solidFill>
+                <a:srgbClr val="FF0000"/>
+              </a:solidFill>
+              <a:latin typeface="微軟正黑體" panose="020B0604030504040204" pitchFamily="34" charset="-120"/>
+              <a:ea typeface="微軟正黑體" panose="020B0604030504040204" pitchFamily="34" charset="-120"/>
+            </a:endParaRPr>
+          </a:p>
+          <a:p>
+            <a:endParaRPr lang="zh-TW" altLang="en-US" dirty="0"/>
           </a:p>
         </p:txBody>
       </p:sp>
@@ -8016,28 +9979,125 @@
                             </p:stCondLst>
                             <p:childTnLst>
                               <p:par>
-                                <p:cTn id="5" presetID="26" presetClass="emph" presetSubtype="0" fill="hold" grpId="0" nodeType="clickEffect">
+                                <p:cTn id="5" presetID="10" presetClass="entr" presetSubtype="0" fill="hold" nodeType="clickEffect">
                                   <p:stCondLst>
                                     <p:cond delay="0"/>
                                   </p:stCondLst>
                                   <p:childTnLst>
-                                    <p:animEffect transition="out" filter="fade">
+                                    <p:set>
                                       <p:cBhvr>
-                                        <p:cTn id="6" dur="500" tmFilter="0, 0; .2, .5; .8, .5; 1, 0"/>
+                                        <p:cTn id="6" dur="1" fill="hold">
+                                          <p:stCondLst>
+                                            <p:cond delay="0"/>
+                                          </p:stCondLst>
+                                        </p:cTn>
+                                        <p:tgtEl>
+                                          <p:spTgt spid="7"/>
+                                        </p:tgtEl>
+                                        <p:attrNameLst>
+                                          <p:attrName>style.visibility</p:attrName>
+                                        </p:attrNameLst>
+                                      </p:cBhvr>
+                                      <p:to>
+                                        <p:strVal val="visible"/>
+                                      </p:to>
+                                    </p:set>
+                                    <p:animEffect transition="in" filter="fade">
+                                      <p:cBhvr>
+                                        <p:cTn id="7" dur="500"/>
+                                        <p:tgtEl>
+                                          <p:spTgt spid="7"/>
+                                        </p:tgtEl>
+                                      </p:cBhvr>
+                                    </p:animEffect>
+                                  </p:childTnLst>
+                                </p:cTn>
+                              </p:par>
+                              <p:par>
+                                <p:cTn id="8" presetID="10" presetClass="entr" presetSubtype="0" fill="hold" grpId="0" nodeType="withEffect">
+                                  <p:stCondLst>
+                                    <p:cond delay="0"/>
+                                  </p:stCondLst>
+                                  <p:childTnLst>
+                                    <p:set>
+                                      <p:cBhvr>
+                                        <p:cTn id="9" dur="1" fill="hold">
+                                          <p:stCondLst>
+                                            <p:cond delay="0"/>
+                                          </p:stCondLst>
+                                        </p:cTn>
+                                        <p:tgtEl>
+                                          <p:spTgt spid="2"/>
+                                        </p:tgtEl>
+                                        <p:attrNameLst>
+                                          <p:attrName>style.visibility</p:attrName>
+                                        </p:attrNameLst>
+                                      </p:cBhvr>
+                                      <p:to>
+                                        <p:strVal val="visible"/>
+                                      </p:to>
+                                    </p:set>
+                                    <p:animEffect transition="in" filter="fade">
+                                      <p:cBhvr>
+                                        <p:cTn id="10" dur="500"/>
+                                        <p:tgtEl>
+                                          <p:spTgt spid="2"/>
+                                        </p:tgtEl>
+                                      </p:cBhvr>
+                                    </p:animEffect>
+                                  </p:childTnLst>
+                                </p:cTn>
+                              </p:par>
+                            </p:childTnLst>
+                          </p:cTn>
+                        </p:par>
+                      </p:childTnLst>
+                    </p:cTn>
+                  </p:par>
+                  <p:par>
+                    <p:cTn id="11" fill="hold">
+                      <p:stCondLst>
+                        <p:cond delay="indefinite"/>
+                      </p:stCondLst>
+                      <p:childTnLst>
+                        <p:par>
+                          <p:cTn id="12" fill="hold">
+                            <p:stCondLst>
+                              <p:cond delay="0"/>
+                            </p:stCondLst>
+                            <p:childTnLst>
+                              <p:par>
+                                <p:cTn id="13" presetID="14" presetClass="entr" presetSubtype="10" fill="hold" grpId="0" nodeType="clickEffect">
+                                  <p:stCondLst>
+                                    <p:cond delay="0"/>
+                                  </p:stCondLst>
+                                  <p:childTnLst>
+                                    <p:set>
+                                      <p:cBhvr>
+                                        <p:cTn id="14" dur="1" fill="hold">
+                                          <p:stCondLst>
+                                            <p:cond delay="0"/>
+                                          </p:stCondLst>
+                                        </p:cTn>
+                                        <p:tgtEl>
+                                          <p:spTgt spid="5"/>
+                                        </p:tgtEl>
+                                        <p:attrNameLst>
+                                          <p:attrName>style.visibility</p:attrName>
+                                        </p:attrNameLst>
+                                      </p:cBhvr>
+                                      <p:to>
+                                        <p:strVal val="visible"/>
+                                      </p:to>
+                                    </p:set>
+                                    <p:animEffect transition="in" filter="randombar(horizontal)">
+                                      <p:cBhvr>
+                                        <p:cTn id="15" dur="500"/>
                                         <p:tgtEl>
                                           <p:spTgt spid="5"/>
                                         </p:tgtEl>
                                       </p:cBhvr>
                                     </p:animEffect>
-                                    <p:animScale>
-                                      <p:cBhvr>
-                                        <p:cTn id="7" dur="250" autoRev="1" fill="hold"/>
-                                        <p:tgtEl>
-                                          <p:spTgt spid="5"/>
-                                        </p:tgtEl>
-                                      </p:cBhvr>
-                                      <p:by x="105000" y="105000"/>
-                                    </p:animScale>
                                   </p:childTnLst>
                                 </p:cTn>
                               </p:par>
@@ -8070,6 +10130,7 @@
     </p:tnLst>
     <p:bldLst>
       <p:bldP spid="5" grpId="0" animBg="1"/>
+      <p:bldP spid="2" grpId="0"/>
     </p:bldLst>
   </p:timing>
 </p:sld>
